--- a/Python과제/Python_2강.pptx
+++ b/Python과제/Python_2강.pptx
@@ -6,19 +6,28 @@
   </p:sldMasterIdLst>
   <p:sldIdLst>
     <p:sldId id="256" r:id="rId2"/>
-    <p:sldId id="257" r:id="rId3"/>
-    <p:sldId id="258" r:id="rId4"/>
-    <p:sldId id="259" r:id="rId5"/>
-    <p:sldId id="260" r:id="rId6"/>
-    <p:sldId id="261" r:id="rId7"/>
-    <p:sldId id="262" r:id="rId8"/>
-    <p:sldId id="263" r:id="rId9"/>
-    <p:sldId id="264" r:id="rId10"/>
-    <p:sldId id="265" r:id="rId11"/>
-    <p:sldId id="266" r:id="rId12"/>
-    <p:sldId id="267" r:id="rId13"/>
-    <p:sldId id="268" r:id="rId14"/>
-    <p:sldId id="270" r:id="rId15"/>
+    <p:sldId id="273" r:id="rId3"/>
+    <p:sldId id="271" r:id="rId4"/>
+    <p:sldId id="257" r:id="rId5"/>
+    <p:sldId id="274" r:id="rId6"/>
+    <p:sldId id="258" r:id="rId7"/>
+    <p:sldId id="259" r:id="rId8"/>
+    <p:sldId id="260" r:id="rId9"/>
+    <p:sldId id="261" r:id="rId10"/>
+    <p:sldId id="262" r:id="rId11"/>
+    <p:sldId id="263" r:id="rId12"/>
+    <p:sldId id="264" r:id="rId13"/>
+    <p:sldId id="265" r:id="rId14"/>
+    <p:sldId id="266" r:id="rId15"/>
+    <p:sldId id="275" r:id="rId16"/>
+    <p:sldId id="276" r:id="rId17"/>
+    <p:sldId id="267" r:id="rId18"/>
+    <p:sldId id="268" r:id="rId19"/>
+    <p:sldId id="270" r:id="rId20"/>
+    <p:sldId id="277" r:id="rId21"/>
+    <p:sldId id="278" r:id="rId22"/>
+    <p:sldId id="281" r:id="rId23"/>
+    <p:sldId id="280" r:id="rId24"/>
   </p:sldIdLst>
   <p:sldSz cx="12192000" cy="6858000"/>
   <p:notesSz cx="6858000" cy="9144000"/>
@@ -133,6 +142,556 @@
         <inkml:traceFormat>
           <inkml:channel name="X" type="integer" min="-2.14748E9" max="2.14748E9" units="cm"/>
           <inkml:channel name="Y" type="integer" min="-2.14748E9" max="2.14748E9" units="cm"/>
+        </inkml:traceFormat>
+        <inkml:channelProperties>
+          <inkml:channelProperty channel="X" name="resolution" value="1000" units="1/cm"/>
+          <inkml:channelProperty channel="Y" name="resolution" value="1000" units="1/cm"/>
+        </inkml:channelProperties>
+      </inkml:inkSource>
+      <inkml:timestamp xml:id="ts0" timeString="2023-05-05T16:16:54.660"/>
+    </inkml:context>
+    <inkml:brush xml:id="br0">
+      <inkml:brushProperty name="width" value="0.5" units="cm"/>
+      <inkml:brushProperty name="height" value="1" units="cm"/>
+      <inkml:brushProperty name="color" value="#FFFC00"/>
+      <inkml:brushProperty name="tip" value="rectangle"/>
+      <inkml:brushProperty name="rasterOp" value="maskPen"/>
+      <inkml:brushProperty name="ignorePressure" value="1"/>
+    </inkml:brush>
+  </inkml:definitions>
+  <inkml:trace contextRef="#ctx0" brushRef="#br0">1 1,'0'0</inkml:trace>
+</inkml:ink>
+</file>
+
+<file path=ppt/ink/ink10.xml><?xml version="1.0" encoding="utf-8"?>
+<inkml:ink xmlns:inkml="http://www.w3.org/2003/InkML">
+  <inkml:definitions>
+    <inkml:context xml:id="ctx0">
+      <inkml:inkSource xml:id="inkSrc0">
+        <inkml:traceFormat>
+          <inkml:channel name="X" type="integer" min="-2.14748E9" max="2.14748E9" units="cm"/>
+          <inkml:channel name="Y" type="integer" min="-2.14748E9" max="2.14748E9" units="cm"/>
+          <inkml:channel name="F" type="integer" max="32767" units="dev"/>
+        </inkml:traceFormat>
+        <inkml:channelProperties>
+          <inkml:channelProperty channel="X" name="resolution" value="1000" units="1/cm"/>
+          <inkml:channelProperty channel="Y" name="resolution" value="1000" units="1/cm"/>
+          <inkml:channelProperty channel="F" name="resolution" value="0" units="1/dev"/>
+        </inkml:channelProperties>
+      </inkml:inkSource>
+      <inkml:timestamp xml:id="ts0" timeString="2023-04-26T07:58:24.170"/>
+    </inkml:context>
+    <inkml:brush xml:id="br0">
+      <inkml:brushProperty name="width" value="0.35" units="cm"/>
+      <inkml:brushProperty name="height" value="0.35" units="cm"/>
+      <inkml:brushProperty name="color" value="#FFFFFF"/>
+    </inkml:brush>
+  </inkml:definitions>
+  <inkml:trace contextRef="#ctx0" brushRef="#br0">335 0 24575,'-20'2'0,"0"0"0,0 1 0,0 1 0,-22 8 0,-39 7 0,0-10 0,39-5 0,34-3 0,14-1 0,960-2-1365</inkml:trace>
+</inkml:ink>
+</file>
+
+<file path=ppt/ink/ink11.xml><?xml version="1.0" encoding="utf-8"?>
+<inkml:ink xmlns:inkml="http://www.w3.org/2003/InkML">
+  <inkml:definitions>
+    <inkml:context xml:id="ctx0">
+      <inkml:inkSource xml:id="inkSrc0">
+        <inkml:traceFormat>
+          <inkml:channel name="X" type="integer" min="-2.14748E9" max="2.14748E9" units="cm"/>
+          <inkml:channel name="Y" type="integer" min="-2.14748E9" max="2.14748E9" units="cm"/>
+        </inkml:traceFormat>
+        <inkml:channelProperties>
+          <inkml:channelProperty channel="X" name="resolution" value="1000" units="1/cm"/>
+          <inkml:channelProperty channel="Y" name="resolution" value="1000" units="1/cm"/>
+        </inkml:channelProperties>
+      </inkml:inkSource>
+      <inkml:timestamp xml:id="ts0" timeString="2023-05-05T16:22:32.401"/>
+    </inkml:context>
+    <inkml:brush xml:id="br0">
+      <inkml:brushProperty name="width" value="0.5" units="cm"/>
+      <inkml:brushProperty name="height" value="1" units="cm"/>
+      <inkml:brushProperty name="color" value="#C0E494"/>
+      <inkml:brushProperty name="tip" value="rectangle"/>
+      <inkml:brushProperty name="rasterOp" value="maskPen"/>
+      <inkml:brushProperty name="ignorePressure" value="1"/>
+    </inkml:brush>
+  </inkml:definitions>
+  <inkml:trace contextRef="#ctx0" brushRef="#br0">0 1,'9159'0,"-1590"0,-7528 0</inkml:trace>
+</inkml:ink>
+</file>
+
+<file path=ppt/ink/ink12.xml><?xml version="1.0" encoding="utf-8"?>
+<inkml:ink xmlns:inkml="http://www.w3.org/2003/InkML">
+  <inkml:definitions>
+    <inkml:context xml:id="ctx0">
+      <inkml:inkSource xml:id="inkSrc0">
+        <inkml:traceFormat>
+          <inkml:channel name="X" type="integer" min="-2.14748E9" max="2.14748E9" units="cm"/>
+          <inkml:channel name="Y" type="integer" min="-2.14748E9" max="2.14748E9" units="cm"/>
+        </inkml:traceFormat>
+        <inkml:channelProperties>
+          <inkml:channelProperty channel="X" name="resolution" value="1000" units="1/cm"/>
+          <inkml:channelProperty channel="Y" name="resolution" value="1000" units="1/cm"/>
+        </inkml:channelProperties>
+      </inkml:inkSource>
+      <inkml:timestamp xml:id="ts0" timeString="2023-05-05T16:22:44.102"/>
+    </inkml:context>
+    <inkml:brush xml:id="br0">
+      <inkml:brushProperty name="width" value="0.5" units="cm"/>
+      <inkml:brushProperty name="height" value="1" units="cm"/>
+      <inkml:brushProperty name="color" value="#C0E494"/>
+      <inkml:brushProperty name="tip" value="rectangle"/>
+      <inkml:brushProperty name="rasterOp" value="maskPen"/>
+      <inkml:brushProperty name="ignorePressure" value="1"/>
+    </inkml:brush>
+  </inkml:definitions>
+  <inkml:trace contextRef="#ctx0" brushRef="#br0">0 0,'8052'0,"9315"0,-17315 0</inkml:trace>
+</inkml:ink>
+</file>
+
+<file path=ppt/ink/ink13.xml><?xml version="1.0" encoding="utf-8"?>
+<inkml:ink xmlns:inkml="http://www.w3.org/2003/InkML">
+  <inkml:definitions>
+    <inkml:context xml:id="ctx0">
+      <inkml:inkSource xml:id="inkSrc0">
+        <inkml:traceFormat>
+          <inkml:channel name="X" type="integer" min="-2.14748E9" max="2.14748E9" units="cm"/>
+          <inkml:channel name="Y" type="integer" min="-2.14748E9" max="2.14748E9" units="cm"/>
+        </inkml:traceFormat>
+        <inkml:channelProperties>
+          <inkml:channelProperty channel="X" name="resolution" value="1000" units="1/cm"/>
+          <inkml:channelProperty channel="Y" name="resolution" value="1000" units="1/cm"/>
+        </inkml:channelProperties>
+      </inkml:inkSource>
+      <inkml:timestamp xml:id="ts0" timeString="2023-05-05T16:22:55.059"/>
+    </inkml:context>
+    <inkml:brush xml:id="br0">
+      <inkml:brushProperty name="width" value="0.5" units="cm"/>
+      <inkml:brushProperty name="height" value="1" units="cm"/>
+      <inkml:brushProperty name="color" value="#C0E494"/>
+      <inkml:brushProperty name="tip" value="rectangle"/>
+      <inkml:brushProperty name="rasterOp" value="maskPen"/>
+      <inkml:brushProperty name="ignorePressure" value="1"/>
+    </inkml:brush>
+  </inkml:definitions>
+  <inkml:trace contextRef="#ctx0" brushRef="#br0">1 1,'6828'0,"3224"0,-4226 0,-5795 0</inkml:trace>
+</inkml:ink>
+</file>
+
+<file path=ppt/ink/ink14.xml><?xml version="1.0" encoding="utf-8"?>
+<inkml:ink xmlns:inkml="http://www.w3.org/2003/InkML">
+  <inkml:definitions>
+    <inkml:context xml:id="ctx0">
+      <inkml:inkSource xml:id="inkSrc0">
+        <inkml:traceFormat>
+          <inkml:channel name="X" type="integer" min="-2.14748E9" max="2.14748E9" units="cm"/>
+          <inkml:channel name="Y" type="integer" min="-2.14748E9" max="2.14748E9" units="cm"/>
+        </inkml:traceFormat>
+        <inkml:channelProperties>
+          <inkml:channelProperty channel="X" name="resolution" value="1000" units="1/cm"/>
+          <inkml:channelProperty channel="Y" name="resolution" value="1000" units="1/cm"/>
+        </inkml:channelProperties>
+      </inkml:inkSource>
+      <inkml:timestamp xml:id="ts0" timeString="2023-05-05T16:22:59.318"/>
+    </inkml:context>
+    <inkml:brush xml:id="br0">
+      <inkml:brushProperty name="width" value="0.5" units="cm"/>
+      <inkml:brushProperty name="height" value="1" units="cm"/>
+      <inkml:brushProperty name="color" value="#C0E494"/>
+      <inkml:brushProperty name="tip" value="rectangle"/>
+      <inkml:brushProperty name="rasterOp" value="maskPen"/>
+      <inkml:brushProperty name="ignorePressure" value="1"/>
+    </inkml:brush>
+  </inkml:definitions>
+  <inkml:trace contextRef="#ctx0" brushRef="#br0">1 1,'1342'0,"-780"0,177 0,137 0,172 0,229 0,3090 0,-2835 0,-93 0,-116 0,-130 0,-121 0,-101 0,-96 0,-84 0,-92 0,-97 0,-101 0,-99 0,96 0,325 0,-734 0</inkml:trace>
+</inkml:ink>
+</file>
+
+<file path=ppt/ink/ink15.xml><?xml version="1.0" encoding="utf-8"?>
+<inkml:ink xmlns:inkml="http://www.w3.org/2003/InkML">
+  <inkml:definitions>
+    <inkml:context xml:id="ctx0">
+      <inkml:inkSource xml:id="inkSrc0">
+        <inkml:traceFormat>
+          <inkml:channel name="X" type="integer" min="-2.14748E9" max="2.14748E9" units="cm"/>
+          <inkml:channel name="Y" type="integer" min="-2.14748E9" max="2.14748E9" units="cm"/>
+        </inkml:traceFormat>
+        <inkml:channelProperties>
+          <inkml:channelProperty channel="X" name="resolution" value="1000" units="1/cm"/>
+          <inkml:channelProperty channel="Y" name="resolution" value="1000" units="1/cm"/>
+        </inkml:channelProperties>
+      </inkml:inkSource>
+      <inkml:timestamp xml:id="ts0" timeString="2023-05-05T16:23:05.182"/>
+    </inkml:context>
+    <inkml:brush xml:id="br0">
+      <inkml:brushProperty name="width" value="0.5" units="cm"/>
+      <inkml:brushProperty name="height" value="1" units="cm"/>
+      <inkml:brushProperty name="color" value="#C0E494"/>
+      <inkml:brushProperty name="tip" value="rectangle"/>
+      <inkml:brushProperty name="rasterOp" value="maskPen"/>
+      <inkml:brushProperty name="ignorePressure" value="1"/>
+    </inkml:brush>
+  </inkml:definitions>
+  <inkml:trace contextRef="#ctx0" brushRef="#br0">0 0,'1573'0,"-933"0,166 0,144 0,132 0,83 0,15099 0,-12130 0,-3532 0,-569 0</inkml:trace>
+</inkml:ink>
+</file>
+
+<file path=ppt/ink/ink16.xml><?xml version="1.0" encoding="utf-8"?>
+<inkml:ink xmlns:inkml="http://www.w3.org/2003/InkML">
+  <inkml:definitions>
+    <inkml:context xml:id="ctx0">
+      <inkml:inkSource xml:id="inkSrc0">
+        <inkml:traceFormat>
+          <inkml:channel name="X" type="integer" min="-2.14748E9" max="2.14748E9" units="cm"/>
+          <inkml:channel name="Y" type="integer" min="-2.14748E9" max="2.14748E9" units="cm"/>
+        </inkml:traceFormat>
+        <inkml:channelProperties>
+          <inkml:channelProperty channel="X" name="resolution" value="1000" units="1/cm"/>
+          <inkml:channelProperty channel="Y" name="resolution" value="1000" units="1/cm"/>
+        </inkml:channelProperties>
+      </inkml:inkSource>
+      <inkml:timestamp xml:id="ts0" timeString="2023-05-05T16:23:25.017"/>
+    </inkml:context>
+    <inkml:brush xml:id="br0">
+      <inkml:brushProperty name="width" value="0.5" units="cm"/>
+      <inkml:brushProperty name="height" value="1" units="cm"/>
+      <inkml:brushProperty name="color" value="#C0E494"/>
+      <inkml:brushProperty name="tip" value="rectangle"/>
+      <inkml:brushProperty name="rasterOp" value="maskPen"/>
+      <inkml:brushProperty name="ignorePressure" value="1"/>
+    </inkml:brush>
+  </inkml:definitions>
+  <inkml:trace contextRef="#ctx0" brushRef="#br0">0 0,'15672'0,"-8156"0,-3409 0,-4040 0</inkml:trace>
+</inkml:ink>
+</file>
+
+<file path=ppt/ink/ink17.xml><?xml version="1.0" encoding="utf-8"?>
+<inkml:ink xmlns:inkml="http://www.w3.org/2003/InkML">
+  <inkml:definitions>
+    <inkml:context xml:id="ctx0">
+      <inkml:inkSource xml:id="inkSrc0">
+        <inkml:traceFormat>
+          <inkml:channel name="X" type="integer" min="-2.14748E9" max="2.14748E9" units="cm"/>
+          <inkml:channel name="Y" type="integer" min="-2.14748E9" max="2.14748E9" units="cm"/>
+        </inkml:traceFormat>
+        <inkml:channelProperties>
+          <inkml:channelProperty channel="X" name="resolution" value="1000" units="1/cm"/>
+          <inkml:channelProperty channel="Y" name="resolution" value="1000" units="1/cm"/>
+        </inkml:channelProperties>
+      </inkml:inkSource>
+      <inkml:timestamp xml:id="ts0" timeString="2023-05-05T16:23:44.219"/>
+    </inkml:context>
+    <inkml:brush xml:id="br0">
+      <inkml:brushProperty name="width" value="0.5" units="cm"/>
+      <inkml:brushProperty name="height" value="1" units="cm"/>
+      <inkml:brushProperty name="color" value="#C0E494"/>
+      <inkml:brushProperty name="tip" value="rectangle"/>
+      <inkml:brushProperty name="rasterOp" value="maskPen"/>
+      <inkml:brushProperty name="ignorePressure" value="1"/>
+    </inkml:brush>
+  </inkml:definitions>
+  <inkml:trace contextRef="#ctx0" brushRef="#br0">1 0,'213'0,"18183"0,-15234 0,-3128 0</inkml:trace>
+</inkml:ink>
+</file>
+
+<file path=ppt/ink/ink18.xml><?xml version="1.0" encoding="utf-8"?>
+<inkml:ink xmlns:inkml="http://www.w3.org/2003/InkML">
+  <inkml:definitions>
+    <inkml:context xml:id="ctx0">
+      <inkml:inkSource xml:id="inkSrc0">
+        <inkml:traceFormat>
+          <inkml:channel name="X" type="integer" min="-2.14748E9" max="2.14748E9" units="cm"/>
+          <inkml:channel name="Y" type="integer" min="-2.14748E9" max="2.14748E9" units="cm"/>
+        </inkml:traceFormat>
+        <inkml:channelProperties>
+          <inkml:channelProperty channel="X" name="resolution" value="1000" units="1/cm"/>
+          <inkml:channelProperty channel="Y" name="resolution" value="1000" units="1/cm"/>
+        </inkml:channelProperties>
+      </inkml:inkSource>
+      <inkml:timestamp xml:id="ts0" timeString="2023-05-05T16:23:54.614"/>
+    </inkml:context>
+    <inkml:brush xml:id="br0">
+      <inkml:brushProperty name="width" value="0.5" units="cm"/>
+      <inkml:brushProperty name="height" value="1" units="cm"/>
+      <inkml:brushProperty name="color" value="#C0E494"/>
+      <inkml:brushProperty name="tip" value="rectangle"/>
+      <inkml:brushProperty name="rasterOp" value="maskPen"/>
+      <inkml:brushProperty name="ignorePressure" value="1"/>
+    </inkml:brush>
+  </inkml:definitions>
+  <inkml:trace contextRef="#ctx0" brushRef="#br0">0 1,'22259'0,"-18613"0,-638 0,-2974 0</inkml:trace>
+</inkml:ink>
+</file>
+
+<file path=ppt/ink/ink19.xml><?xml version="1.0" encoding="utf-8"?>
+<inkml:ink xmlns:inkml="http://www.w3.org/2003/InkML">
+  <inkml:definitions>
+    <inkml:context xml:id="ctx0">
+      <inkml:inkSource xml:id="inkSrc0">
+        <inkml:traceFormat>
+          <inkml:channel name="X" type="integer" min="-2.14748E9" max="2.14748E9" units="cm"/>
+          <inkml:channel name="Y" type="integer" min="-2.14748E9" max="2.14748E9" units="cm"/>
+        </inkml:traceFormat>
+        <inkml:channelProperties>
+          <inkml:channelProperty channel="X" name="resolution" value="1000" units="1/cm"/>
+          <inkml:channelProperty channel="Y" name="resolution" value="1000" units="1/cm"/>
+        </inkml:channelProperties>
+      </inkml:inkSource>
+      <inkml:timestamp xml:id="ts0" timeString="2023-05-05T16:24:06.616"/>
+    </inkml:context>
+    <inkml:brush xml:id="br0">
+      <inkml:brushProperty name="width" value="0.5" units="cm"/>
+      <inkml:brushProperty name="height" value="1" units="cm"/>
+      <inkml:brushProperty name="color" value="#C0E494"/>
+      <inkml:brushProperty name="tip" value="rectangle"/>
+      <inkml:brushProperty name="rasterOp" value="maskPen"/>
+      <inkml:brushProperty name="ignorePressure" value="1"/>
+    </inkml:brush>
+  </inkml:definitions>
+  <inkml:trace contextRef="#ctx0" brushRef="#br0">0 1,'10403'0,"-3670"0,-6698 0</inkml:trace>
+</inkml:ink>
+</file>
+
+<file path=ppt/ink/ink2.xml><?xml version="1.0" encoding="utf-8"?>
+<inkml:ink xmlns:inkml="http://www.w3.org/2003/InkML">
+  <inkml:definitions>
+    <inkml:context xml:id="ctx0">
+      <inkml:inkSource xml:id="inkSrc0">
+        <inkml:traceFormat>
+          <inkml:channel name="X" type="integer" min="-2.14748E9" max="2.14748E9" units="cm"/>
+          <inkml:channel name="Y" type="integer" min="-2.14748E9" max="2.14748E9" units="cm"/>
+        </inkml:traceFormat>
+        <inkml:channelProperties>
+          <inkml:channelProperty channel="X" name="resolution" value="1000" units="1/cm"/>
+          <inkml:channelProperty channel="Y" name="resolution" value="1000" units="1/cm"/>
+        </inkml:channelProperties>
+      </inkml:inkSource>
+      <inkml:timestamp xml:id="ts0" timeString="2023-05-05T16:16:56.235"/>
+    </inkml:context>
+    <inkml:brush xml:id="br0">
+      <inkml:brushProperty name="width" value="0.5" units="cm"/>
+      <inkml:brushProperty name="height" value="1" units="cm"/>
+      <inkml:brushProperty name="color" value="#FFFC00"/>
+      <inkml:brushProperty name="tip" value="rectangle"/>
+      <inkml:brushProperty name="rasterOp" value="maskPen"/>
+      <inkml:brushProperty name="ignorePressure" value="1"/>
+    </inkml:brush>
+  </inkml:definitions>
+  <inkml:trace contextRef="#ctx0" brushRef="#br0">0 1,'0'0</inkml:trace>
+</inkml:ink>
+</file>
+
+<file path=ppt/ink/ink20.xml><?xml version="1.0" encoding="utf-8"?>
+<inkml:ink xmlns:inkml="http://www.w3.org/2003/InkML">
+  <inkml:definitions>
+    <inkml:context xml:id="ctx0">
+      <inkml:inkSource xml:id="inkSrc0">
+        <inkml:traceFormat>
+          <inkml:channel name="X" type="integer" min="-2.14748E9" max="2.14748E9" units="cm"/>
+          <inkml:channel name="Y" type="integer" min="-2.14748E9" max="2.14748E9" units="cm"/>
+        </inkml:traceFormat>
+        <inkml:channelProperties>
+          <inkml:channelProperty channel="X" name="resolution" value="1000" units="1/cm"/>
+          <inkml:channelProperty channel="Y" name="resolution" value="1000" units="1/cm"/>
+        </inkml:channelProperties>
+      </inkml:inkSource>
+      <inkml:timestamp xml:id="ts0" timeString="2023-05-05T16:24:12.966"/>
+    </inkml:context>
+    <inkml:brush xml:id="br0">
+      <inkml:brushProperty name="width" value="0.5" units="cm"/>
+      <inkml:brushProperty name="height" value="1" units="cm"/>
+      <inkml:brushProperty name="color" value="#C0E494"/>
+      <inkml:brushProperty name="tip" value="rectangle"/>
+      <inkml:brushProperty name="rasterOp" value="maskPen"/>
+      <inkml:brushProperty name="ignorePressure" value="1"/>
+    </inkml:brush>
+  </inkml:definitions>
+  <inkml:trace contextRef="#ctx0" brushRef="#br0">1 1,'7103'0,"-7072"0</inkml:trace>
+</inkml:ink>
+</file>
+
+<file path=ppt/ink/ink21.xml><?xml version="1.0" encoding="utf-8"?>
+<inkml:ink xmlns:inkml="http://www.w3.org/2003/InkML">
+  <inkml:definitions>
+    <inkml:context xml:id="ctx0">
+      <inkml:inkSource xml:id="inkSrc0">
+        <inkml:traceFormat>
+          <inkml:channel name="X" type="integer" min="-2.14748E9" max="2.14748E9" units="cm"/>
+          <inkml:channel name="Y" type="integer" min="-2.14748E9" max="2.14748E9" units="cm"/>
+        </inkml:traceFormat>
+        <inkml:channelProperties>
+          <inkml:channelProperty channel="X" name="resolution" value="1000" units="1/cm"/>
+          <inkml:channelProperty channel="Y" name="resolution" value="1000" units="1/cm"/>
+        </inkml:channelProperties>
+      </inkml:inkSource>
+      <inkml:timestamp xml:id="ts0" timeString="2023-05-05T16:24:20.021"/>
+    </inkml:context>
+    <inkml:brush xml:id="br0">
+      <inkml:brushProperty name="width" value="0.5" units="cm"/>
+      <inkml:brushProperty name="height" value="1" units="cm"/>
+      <inkml:brushProperty name="color" value="#C0E494"/>
+      <inkml:brushProperty name="tip" value="rectangle"/>
+      <inkml:brushProperty name="rasterOp" value="maskPen"/>
+      <inkml:brushProperty name="ignorePressure" value="1"/>
+    </inkml:brush>
+  </inkml:definitions>
+  <inkml:trace contextRef="#ctx0" brushRef="#br0">0 0,'5689'0,"-1701"0,-3953 0</inkml:trace>
+</inkml:ink>
+</file>
+
+<file path=ppt/ink/ink22.xml><?xml version="1.0" encoding="utf-8"?>
+<inkml:ink xmlns:inkml="http://www.w3.org/2003/InkML">
+  <inkml:definitions>
+    <inkml:context xml:id="ctx0">
+      <inkml:inkSource xml:id="inkSrc0">
+        <inkml:traceFormat>
+          <inkml:channel name="X" type="integer" min="-2.14748E9" max="2.14748E9" units="cm"/>
+          <inkml:channel name="Y" type="integer" min="-2.14748E9" max="2.14748E9" units="cm"/>
+        </inkml:traceFormat>
+        <inkml:channelProperties>
+          <inkml:channelProperty channel="X" name="resolution" value="1000" units="1/cm"/>
+          <inkml:channelProperty channel="Y" name="resolution" value="1000" units="1/cm"/>
+        </inkml:channelProperties>
+      </inkml:inkSource>
+      <inkml:timestamp xml:id="ts0" timeString="2023-05-05T16:24:30.495"/>
+    </inkml:context>
+    <inkml:brush xml:id="br0">
+      <inkml:brushProperty name="width" value="0.5" units="cm"/>
+      <inkml:brushProperty name="height" value="1" units="cm"/>
+      <inkml:brushProperty name="color" value="#C0E494"/>
+      <inkml:brushProperty name="tip" value="rectangle"/>
+      <inkml:brushProperty name="rasterOp" value="maskPen"/>
+      <inkml:brushProperty name="ignorePressure" value="1"/>
+    </inkml:brush>
+  </inkml:definitions>
+  <inkml:trace contextRef="#ctx0" brushRef="#br0">0 0,'7779'0,"-1120"0,-6620 0</inkml:trace>
+</inkml:ink>
+</file>
+
+<file path=ppt/ink/ink3.xml><?xml version="1.0" encoding="utf-8"?>
+<inkml:ink xmlns:inkml="http://www.w3.org/2003/InkML">
+  <inkml:definitions>
+    <inkml:context xml:id="ctx0">
+      <inkml:inkSource xml:id="inkSrc0">
+        <inkml:traceFormat>
+          <inkml:channel name="X" type="integer" min="-2.14748E9" max="2.14748E9" units="cm"/>
+          <inkml:channel name="Y" type="integer" min="-2.14748E9" max="2.14748E9" units="cm"/>
+        </inkml:traceFormat>
+        <inkml:channelProperties>
+          <inkml:channelProperty channel="X" name="resolution" value="1000" units="1/cm"/>
+          <inkml:channelProperty channel="Y" name="resolution" value="1000" units="1/cm"/>
+        </inkml:channelProperties>
+      </inkml:inkSource>
+      <inkml:timestamp xml:id="ts0" timeString="2023-05-05T16:22:16.963"/>
+    </inkml:context>
+    <inkml:brush xml:id="br0">
+      <inkml:brushProperty name="width" value="0.5" units="cm"/>
+      <inkml:brushProperty name="height" value="1" units="cm"/>
+      <inkml:brushProperty name="color" value="#C0E494"/>
+      <inkml:brushProperty name="tip" value="rectangle"/>
+      <inkml:brushProperty name="rasterOp" value="maskPen"/>
+      <inkml:brushProperty name="ignorePressure" value="1"/>
+    </inkml:brush>
+  </inkml:definitions>
+  <inkml:trace contextRef="#ctx0" brushRef="#br0">0 1,'3756'0,"-3708"0</inkml:trace>
+</inkml:ink>
+</file>
+
+<file path=ppt/ink/ink4.xml><?xml version="1.0" encoding="utf-8"?>
+<inkml:ink xmlns:inkml="http://www.w3.org/2003/InkML">
+  <inkml:definitions>
+    <inkml:context xml:id="ctx0">
+      <inkml:inkSource xml:id="inkSrc0">
+        <inkml:traceFormat>
+          <inkml:channel name="X" type="integer" min="-2.14748E9" max="2.14748E9" units="cm"/>
+          <inkml:channel name="Y" type="integer" min="-2.14748E9" max="2.14748E9" units="cm"/>
+        </inkml:traceFormat>
+        <inkml:channelProperties>
+          <inkml:channelProperty channel="X" name="resolution" value="1000" units="1/cm"/>
+          <inkml:channelProperty channel="Y" name="resolution" value="1000" units="1/cm"/>
+        </inkml:channelProperties>
+      </inkml:inkSource>
+      <inkml:timestamp xml:id="ts0" timeString="2023-05-05T16:22:18.437"/>
+    </inkml:context>
+    <inkml:brush xml:id="br0">
+      <inkml:brushProperty name="width" value="0.5" units="cm"/>
+      <inkml:brushProperty name="height" value="1" units="cm"/>
+      <inkml:brushProperty name="color" value="#C0E494"/>
+      <inkml:brushProperty name="tip" value="rectangle"/>
+      <inkml:brushProperty name="rasterOp" value="maskPen"/>
+      <inkml:brushProperty name="ignorePressure" value="1"/>
+    </inkml:brush>
+  </inkml:definitions>
+  <inkml:trace contextRef="#ctx0" brushRef="#br0">1 1,'6'0,"10"0,16 0,9 0,11 0,24 0,41 0,28 0,23 0,-3 0,-10 0,-23 0,-28 0,-24 0,-20 0,-12 0,-16 0</inkml:trace>
+</inkml:ink>
+</file>
+
+<file path=ppt/ink/ink5.xml><?xml version="1.0" encoding="utf-8"?>
+<inkml:ink xmlns:inkml="http://www.w3.org/2003/InkML">
+  <inkml:definitions>
+    <inkml:context xml:id="ctx0">
+      <inkml:inkSource xml:id="inkSrc0">
+        <inkml:traceFormat>
+          <inkml:channel name="X" type="integer" min="-2.14748E9" max="2.14748E9" units="cm"/>
+          <inkml:channel name="Y" type="integer" min="-2.14748E9" max="2.14748E9" units="cm"/>
+        </inkml:traceFormat>
+        <inkml:channelProperties>
+          <inkml:channelProperty channel="X" name="resolution" value="1000" units="1/cm"/>
+          <inkml:channelProperty channel="Y" name="resolution" value="1000" units="1/cm"/>
+        </inkml:channelProperties>
+      </inkml:inkSource>
+      <inkml:timestamp xml:id="ts0" timeString="2023-05-05T16:22:22.546"/>
+    </inkml:context>
+    <inkml:brush xml:id="br0">
+      <inkml:brushProperty name="width" value="0.5" units="cm"/>
+      <inkml:brushProperty name="height" value="1" units="cm"/>
+      <inkml:brushProperty name="color" value="#C0E494"/>
+      <inkml:brushProperty name="tip" value="rectangle"/>
+      <inkml:brushProperty name="rasterOp" value="maskPen"/>
+      <inkml:brushProperty name="ignorePressure" value="1"/>
+    </inkml:brush>
+  </inkml:definitions>
+  <inkml:trace contextRef="#ctx0" brushRef="#br0">1 0,'1049'0,"-1025"0</inkml:trace>
+</inkml:ink>
+</file>
+
+<file path=ppt/ink/ink6.xml><?xml version="1.0" encoding="utf-8"?>
+<inkml:ink xmlns:inkml="http://www.w3.org/2003/InkML">
+  <inkml:definitions>
+    <inkml:context xml:id="ctx0">
+      <inkml:inkSource xml:id="inkSrc0">
+        <inkml:traceFormat>
+          <inkml:channel name="X" type="integer" min="-2.14748E9" max="2.14748E9" units="cm"/>
+          <inkml:channel name="Y" type="integer" min="-2.14748E9" max="2.14748E9" units="cm"/>
+        </inkml:traceFormat>
+        <inkml:channelProperties>
+          <inkml:channelProperty channel="X" name="resolution" value="1000" units="1/cm"/>
+          <inkml:channelProperty channel="Y" name="resolution" value="1000" units="1/cm"/>
+        </inkml:channelProperties>
+      </inkml:inkSource>
+      <inkml:timestamp xml:id="ts0" timeString="2023-05-05T16:22:25.766"/>
+    </inkml:context>
+    <inkml:brush xml:id="br0">
+      <inkml:brushProperty name="width" value="0.5" units="cm"/>
+      <inkml:brushProperty name="height" value="1" units="cm"/>
+      <inkml:brushProperty name="color" value="#C0E494"/>
+      <inkml:brushProperty name="tip" value="rectangle"/>
+      <inkml:brushProperty name="rasterOp" value="maskPen"/>
+      <inkml:brushProperty name="ignorePressure" value="1"/>
+    </inkml:brush>
+  </inkml:definitions>
+  <inkml:trace contextRef="#ctx0" brushRef="#br0">0 1,'1051'0,"-1004"0</inkml:trace>
+</inkml:ink>
+</file>
+
+<file path=ppt/ink/ink7.xml><?xml version="1.0" encoding="utf-8"?>
+<inkml:ink xmlns:inkml="http://www.w3.org/2003/InkML">
+  <inkml:definitions>
+    <inkml:context xml:id="ctx0">
+      <inkml:inkSource xml:id="inkSrc0">
+        <inkml:traceFormat>
+          <inkml:channel name="X" type="integer" min="-2.14748E9" max="2.14748E9" units="cm"/>
+          <inkml:channel name="Y" type="integer" min="-2.14748E9" max="2.14748E9" units="cm"/>
           <inkml:channel name="F" type="integer" max="32767" units="dev"/>
         </inkml:traceFormat>
         <inkml:channelProperties>
@@ -153,7 +712,7 @@
 </inkml:ink>
 </file>
 
-<file path=ppt/ink/ink2.xml><?xml version="1.0" encoding="utf-8"?>
+<file path=ppt/ink/ink8.xml><?xml version="1.0" encoding="utf-8"?>
 <inkml:ink xmlns:inkml="http://www.w3.org/2003/InkML">
   <inkml:definitions>
     <inkml:context xml:id="ctx0">
@@ -181,7 +740,7 @@
 </inkml:ink>
 </file>
 
-<file path=ppt/ink/ink3.xml><?xml version="1.0" encoding="utf-8"?>
+<file path=ppt/ink/ink9.xml><?xml version="1.0" encoding="utf-8"?>
 <inkml:ink xmlns:inkml="http://www.w3.org/2003/InkML">
   <inkml:definitions>
     <inkml:context xml:id="ctx0">
@@ -206,34 +765,6 @@
     </inkml:brush>
   </inkml:definitions>
   <inkml:trace contextRef="#ctx0" brushRef="#br0">1 164 24575,'902'0'0,"-856"-2"0,0-3 0,63-14 0,-54 9 0,59-5 0,414 11 0,-274 7 0,-200-2 0,-1-2 0,1-3 0,64-13 0,144-38 0,-203 43 0,0 2 0,101-3 0,124 15 0,-105 1 0,476-3 0,-997 27 0,21-1 0,-260-27 0,534 4 0,1 1 0,-69 17 0,-44 4 0,133-23 0,24-1 0,5-1 0,41 0 0,-26 0 0,850-2 0,-799 5 0,109 21 0,-103-12 0,79 2 0,-89-11 0,0-3 0,1-3 0,107-18 0,-102 7 0,1 4 0,86-2 0,148 13 0,-120 2 0,3315-3-1365,-3444 0-5461</inkml:trace>
-</inkml:ink>
-</file>
-
-<file path=ppt/ink/ink4.xml><?xml version="1.0" encoding="utf-8"?>
-<inkml:ink xmlns:inkml="http://www.w3.org/2003/InkML">
-  <inkml:definitions>
-    <inkml:context xml:id="ctx0">
-      <inkml:inkSource xml:id="inkSrc0">
-        <inkml:traceFormat>
-          <inkml:channel name="X" type="integer" min="-2.14748E9" max="2.14748E9" units="cm"/>
-          <inkml:channel name="Y" type="integer" min="-2.14748E9" max="2.14748E9" units="cm"/>
-          <inkml:channel name="F" type="integer" max="32767" units="dev"/>
-        </inkml:traceFormat>
-        <inkml:channelProperties>
-          <inkml:channelProperty channel="X" name="resolution" value="1000" units="1/cm"/>
-          <inkml:channelProperty channel="Y" name="resolution" value="1000" units="1/cm"/>
-          <inkml:channelProperty channel="F" name="resolution" value="0" units="1/dev"/>
-        </inkml:channelProperties>
-      </inkml:inkSource>
-      <inkml:timestamp xml:id="ts0" timeString="2023-04-26T07:58:24.170"/>
-    </inkml:context>
-    <inkml:brush xml:id="br0">
-      <inkml:brushProperty name="width" value="0.35" units="cm"/>
-      <inkml:brushProperty name="height" value="0.35" units="cm"/>
-      <inkml:brushProperty name="color" value="#FFFFFF"/>
-    </inkml:brush>
-  </inkml:definitions>
-  <inkml:trace contextRef="#ctx0" brushRef="#br0">335 0 24575,'-20'2'0,"0"0"0,0 1 0,0 1 0,-22 8 0,-39 7 0,0-10 0,39-5 0,34-3 0,14-1 0,960-2-1365</inkml:trace>
 </inkml:ink>
 </file>
 
@@ -433,7 +964,7 @@
           <a:p>
             <a:fld id="{96DFF08F-DC6B-4601-B491-B0F83F6DD2DA}" type="datetimeFigureOut">
               <a:rPr lang="en-US" smtClean="0"/>
-              <a:t>4/26/2023</a:t>
+              <a:t>5/6/2023</a:t>
             </a:fld>
             <a:endParaRPr lang="en-US" dirty="0"/>
           </a:p>
@@ -654,7 +1185,7 @@
           <a:p>
             <a:fld id="{96DFF08F-DC6B-4601-B491-B0F83F6DD2DA}" type="datetimeFigureOut">
               <a:rPr lang="en-US" smtClean="0"/>
-              <a:t>4/26/2023</a:t>
+              <a:t>5/6/2023</a:t>
             </a:fld>
             <a:endParaRPr lang="en-US" dirty="0"/>
           </a:p>
@@ -834,7 +1365,7 @@
           <a:p>
             <a:fld id="{96DFF08F-DC6B-4601-B491-B0F83F6DD2DA}" type="datetimeFigureOut">
               <a:rPr lang="en-US" smtClean="0"/>
-              <a:t>4/26/2023</a:t>
+              <a:t>5/6/2023</a:t>
             </a:fld>
             <a:endParaRPr lang="en-US" dirty="0"/>
           </a:p>
@@ -1004,7 +1535,7 @@
           <a:p>
             <a:fld id="{96DFF08F-DC6B-4601-B491-B0F83F6DD2DA}" type="datetimeFigureOut">
               <a:rPr lang="en-US" smtClean="0"/>
-              <a:t>4/26/2023</a:t>
+              <a:t>5/6/2023</a:t>
             </a:fld>
             <a:endParaRPr lang="en-US" dirty="0"/>
           </a:p>
@@ -1255,7 +1786,7 @@
           <a:p>
             <a:fld id="{96DFF08F-DC6B-4601-B491-B0F83F6DD2DA}" type="datetimeFigureOut">
               <a:rPr lang="en-US" smtClean="0"/>
-              <a:t>4/26/2023</a:t>
+              <a:t>5/6/2023</a:t>
             </a:fld>
             <a:endParaRPr lang="en-US" dirty="0"/>
           </a:p>
@@ -1578,7 +2109,7 @@
           <a:p>
             <a:fld id="{96DFF08F-DC6B-4601-B491-B0F83F6DD2DA}" type="datetimeFigureOut">
               <a:rPr lang="en-US" smtClean="0"/>
-              <a:t>4/26/2023</a:t>
+              <a:t>5/6/2023</a:t>
             </a:fld>
             <a:endParaRPr lang="en-US" dirty="0"/>
           </a:p>
@@ -2002,7 +2533,7 @@
           <a:p>
             <a:fld id="{96DFF08F-DC6B-4601-B491-B0F83F6DD2DA}" type="datetimeFigureOut">
               <a:rPr lang="en-US" smtClean="0"/>
-              <a:t>4/26/2023</a:t>
+              <a:t>5/6/2023</a:t>
             </a:fld>
             <a:endParaRPr lang="en-US" dirty="0"/>
           </a:p>
@@ -2120,7 +2651,7 @@
           <a:p>
             <a:fld id="{96DFF08F-DC6B-4601-B491-B0F83F6DD2DA}" type="datetimeFigureOut">
               <a:rPr lang="en-US" smtClean="0"/>
-              <a:t>4/26/2023</a:t>
+              <a:t>5/6/2023</a:t>
             </a:fld>
             <a:endParaRPr lang="en-US" dirty="0"/>
           </a:p>
@@ -2215,7 +2746,7 @@
           <a:p>
             <a:fld id="{96DFF08F-DC6B-4601-B491-B0F83F6DD2DA}" type="datetimeFigureOut">
               <a:rPr lang="en-US" smtClean="0"/>
-              <a:t>4/26/2023</a:t>
+              <a:t>5/6/2023</a:t>
             </a:fld>
             <a:endParaRPr lang="en-US" dirty="0"/>
           </a:p>
@@ -2505,7 +3036,7 @@
           <a:p>
             <a:fld id="{96DFF08F-DC6B-4601-B491-B0F83F6DD2DA}" type="datetimeFigureOut">
               <a:rPr lang="en-US" smtClean="0"/>
-              <a:t>4/26/2023</a:t>
+              <a:t>5/6/2023</a:t>
             </a:fld>
             <a:endParaRPr lang="en-US" dirty="0"/>
           </a:p>
@@ -2777,7 +3308,7 @@
           <a:p>
             <a:fld id="{96DFF08F-DC6B-4601-B491-B0F83F6DD2DA}" type="datetimeFigureOut">
               <a:rPr lang="en-US" smtClean="0"/>
-              <a:t>4/26/2023</a:t>
+              <a:t>5/6/2023</a:t>
             </a:fld>
             <a:endParaRPr lang="en-US" dirty="0"/>
           </a:p>
@@ -3032,7 +3563,7 @@
             <a:fld id="{96DFF08F-DC6B-4601-B491-B0F83F6DD2DA}" type="datetimeFigureOut">
               <a:rPr lang="en-US" smtClean="0"/>
               <a:pPr/>
-              <a:t>4/26/2023</a:t>
+              <a:t>5/6/2023</a:t>
             </a:fld>
             <a:endParaRPr lang="en-US" dirty="0"/>
           </a:p>
@@ -3654,6 +4185,246 @@
       </p:grpSpPr>
       <p:pic>
         <p:nvPicPr>
+          <p:cNvPr id="5" name="그림 4">
+            <a:extLst>
+              <a:ext uri="{FF2B5EF4-FFF2-40B4-BE49-F238E27FC236}">
+                <a16:creationId xmlns:a16="http://schemas.microsoft.com/office/drawing/2014/main" id="{596439D2-BE64-EAA2-2281-21EC4FF80A45}"/>
+              </a:ext>
+            </a:extLst>
+          </p:cNvPr>
+          <p:cNvPicPr>
+            <a:picLocks noChangeAspect="1"/>
+          </p:cNvPicPr>
+          <p:nvPr/>
+        </p:nvPicPr>
+        <p:blipFill>
+          <a:blip r:embed="rId2"/>
+          <a:stretch>
+            <a:fillRect/>
+          </a:stretch>
+        </p:blipFill>
+        <p:spPr>
+          <a:xfrm>
+            <a:off x="485571" y="423729"/>
+            <a:ext cx="11220857" cy="3648613"/>
+          </a:xfrm>
+          <a:prstGeom prst="rect">
+            <a:avLst/>
+          </a:prstGeom>
+        </p:spPr>
+      </p:pic>
+    </p:spTree>
+    <p:extLst>
+      <p:ext uri="{BB962C8B-B14F-4D97-AF65-F5344CB8AC3E}">
+        <p14:creationId xmlns:p14="http://schemas.microsoft.com/office/powerpoint/2010/main" val="1191991719"/>
+      </p:ext>
+    </p:extLst>
+  </p:cSld>
+  <p:clrMapOvr>
+    <a:masterClrMapping/>
+  </p:clrMapOvr>
+</p:sld>
+</file>
+
+<file path=ppt/slides/slide11.xml><?xml version="1.0" encoding="utf-8"?>
+<p:sld xmlns:a="http://schemas.openxmlformats.org/drawingml/2006/main" xmlns:r="http://schemas.openxmlformats.org/officeDocument/2006/relationships" xmlns:p="http://schemas.openxmlformats.org/presentationml/2006/main">
+  <p:cSld>
+    <p:spTree>
+      <p:nvGrpSpPr>
+        <p:cNvPr id="1" name=""/>
+        <p:cNvGrpSpPr/>
+        <p:nvPr/>
+      </p:nvGrpSpPr>
+      <p:grpSpPr>
+        <a:xfrm>
+          <a:off x="0" y="0"/>
+          <a:ext cx="0" cy="0"/>
+          <a:chOff x="0" y="0"/>
+          <a:chExt cx="0" cy="0"/>
+        </a:xfrm>
+      </p:grpSpPr>
+      <p:pic>
+        <p:nvPicPr>
+          <p:cNvPr id="3" name="그림 2">
+            <a:extLst>
+              <a:ext uri="{FF2B5EF4-FFF2-40B4-BE49-F238E27FC236}">
+                <a16:creationId xmlns:a16="http://schemas.microsoft.com/office/drawing/2014/main" id="{D151F5C6-5EEF-0F0F-3744-A58AE8D5E5FE}"/>
+              </a:ext>
+            </a:extLst>
+          </p:cNvPr>
+          <p:cNvPicPr>
+            <a:picLocks noChangeAspect="1"/>
+          </p:cNvPicPr>
+          <p:nvPr/>
+        </p:nvPicPr>
+        <p:blipFill>
+          <a:blip r:embed="rId2"/>
+          <a:stretch>
+            <a:fillRect/>
+          </a:stretch>
+        </p:blipFill>
+        <p:spPr>
+          <a:xfrm>
+            <a:off x="347166" y="428443"/>
+            <a:ext cx="11387634" cy="4176990"/>
+          </a:xfrm>
+          <a:prstGeom prst="rect">
+            <a:avLst/>
+          </a:prstGeom>
+        </p:spPr>
+      </p:pic>
+      <p:pic>
+        <p:nvPicPr>
+          <p:cNvPr id="5" name="그림 4">
+            <a:extLst>
+              <a:ext uri="{FF2B5EF4-FFF2-40B4-BE49-F238E27FC236}">
+                <a16:creationId xmlns:a16="http://schemas.microsoft.com/office/drawing/2014/main" id="{BC338E86-8203-CE92-2F15-4F6E53FAF64C}"/>
+              </a:ext>
+            </a:extLst>
+          </p:cNvPr>
+          <p:cNvPicPr>
+            <a:picLocks noChangeAspect="1"/>
+          </p:cNvPicPr>
+          <p:nvPr/>
+        </p:nvPicPr>
+        <p:blipFill>
+          <a:blip r:embed="rId3"/>
+          <a:stretch>
+            <a:fillRect/>
+          </a:stretch>
+        </p:blipFill>
+        <p:spPr>
+          <a:xfrm>
+            <a:off x="347166" y="4682861"/>
+            <a:ext cx="7501434" cy="1746696"/>
+          </a:xfrm>
+          <a:prstGeom prst="rect">
+            <a:avLst/>
+          </a:prstGeom>
+        </p:spPr>
+      </p:pic>
+    </p:spTree>
+    <p:extLst>
+      <p:ext uri="{BB962C8B-B14F-4D97-AF65-F5344CB8AC3E}">
+        <p14:creationId xmlns:p14="http://schemas.microsoft.com/office/powerpoint/2010/main" val="4008503928"/>
+      </p:ext>
+    </p:extLst>
+  </p:cSld>
+  <p:clrMapOvr>
+    <a:masterClrMapping/>
+  </p:clrMapOvr>
+</p:sld>
+</file>
+
+<file path=ppt/slides/slide12.xml><?xml version="1.0" encoding="utf-8"?>
+<p:sld xmlns:a="http://schemas.openxmlformats.org/drawingml/2006/main" xmlns:r="http://schemas.openxmlformats.org/officeDocument/2006/relationships" xmlns:p="http://schemas.openxmlformats.org/presentationml/2006/main">
+  <p:cSld>
+    <p:spTree>
+      <p:nvGrpSpPr>
+        <p:cNvPr id="1" name=""/>
+        <p:cNvGrpSpPr/>
+        <p:nvPr/>
+      </p:nvGrpSpPr>
+      <p:grpSpPr>
+        <a:xfrm>
+          <a:off x="0" y="0"/>
+          <a:ext cx="0" cy="0"/>
+          <a:chOff x="0" y="0"/>
+          <a:chExt cx="0" cy="0"/>
+        </a:xfrm>
+      </p:grpSpPr>
+      <p:pic>
+        <p:nvPicPr>
+          <p:cNvPr id="3" name="그림 2">
+            <a:extLst>
+              <a:ext uri="{FF2B5EF4-FFF2-40B4-BE49-F238E27FC236}">
+                <a16:creationId xmlns:a16="http://schemas.microsoft.com/office/drawing/2014/main" id="{3F1E9CDF-213D-335D-260D-066915D5789E}"/>
+              </a:ext>
+            </a:extLst>
+          </p:cNvPr>
+          <p:cNvPicPr>
+            <a:picLocks noChangeAspect="1"/>
+          </p:cNvPicPr>
+          <p:nvPr/>
+        </p:nvPicPr>
+        <p:blipFill>
+          <a:blip r:embed="rId2"/>
+          <a:stretch>
+            <a:fillRect/>
+          </a:stretch>
+        </p:blipFill>
+        <p:spPr>
+          <a:xfrm>
+            <a:off x="493348" y="914400"/>
+            <a:ext cx="11205303" cy="1409700"/>
+          </a:xfrm>
+          <a:prstGeom prst="rect">
+            <a:avLst/>
+          </a:prstGeom>
+        </p:spPr>
+      </p:pic>
+      <p:pic>
+        <p:nvPicPr>
+          <p:cNvPr id="7" name="그림 6">
+            <a:extLst>
+              <a:ext uri="{FF2B5EF4-FFF2-40B4-BE49-F238E27FC236}">
+                <a16:creationId xmlns:a16="http://schemas.microsoft.com/office/drawing/2014/main" id="{AFB4DA75-4B87-0E40-6E49-736C42D244D7}"/>
+              </a:ext>
+            </a:extLst>
+          </p:cNvPr>
+          <p:cNvPicPr>
+            <a:picLocks noChangeAspect="1"/>
+          </p:cNvPicPr>
+          <p:nvPr/>
+        </p:nvPicPr>
+        <p:blipFill>
+          <a:blip r:embed="rId3"/>
+          <a:stretch>
+            <a:fillRect/>
+          </a:stretch>
+        </p:blipFill>
+        <p:spPr>
+          <a:xfrm>
+            <a:off x="493348" y="3143162"/>
+            <a:ext cx="11398734" cy="2095588"/>
+          </a:xfrm>
+          <a:prstGeom prst="rect">
+            <a:avLst/>
+          </a:prstGeom>
+        </p:spPr>
+      </p:pic>
+    </p:spTree>
+    <p:extLst>
+      <p:ext uri="{BB962C8B-B14F-4D97-AF65-F5344CB8AC3E}">
+        <p14:creationId xmlns:p14="http://schemas.microsoft.com/office/powerpoint/2010/main" val="1581910465"/>
+      </p:ext>
+    </p:extLst>
+  </p:cSld>
+  <p:clrMapOvr>
+    <a:masterClrMapping/>
+  </p:clrMapOvr>
+</p:sld>
+</file>
+
+<file path=ppt/slides/slide13.xml><?xml version="1.0" encoding="utf-8"?>
+<p:sld xmlns:a="http://schemas.openxmlformats.org/drawingml/2006/main" xmlns:r="http://schemas.openxmlformats.org/officeDocument/2006/relationships" xmlns:p="http://schemas.openxmlformats.org/presentationml/2006/main">
+  <p:cSld>
+    <p:spTree>
+      <p:nvGrpSpPr>
+        <p:cNvPr id="1" name=""/>
+        <p:cNvGrpSpPr/>
+        <p:nvPr/>
+      </p:nvGrpSpPr>
+      <p:grpSpPr>
+        <a:xfrm>
+          <a:off x="0" y="0"/>
+          <a:ext cx="0" cy="0"/>
+          <a:chOff x="0" y="0"/>
+          <a:chExt cx="0" cy="0"/>
+        </a:xfrm>
+      </p:grpSpPr>
+      <p:pic>
+        <p:nvPicPr>
           <p:cNvPr id="3" name="그림 2">
             <a:extLst>
               <a:ext uri="{FF2B5EF4-FFF2-40B4-BE49-F238E27FC236}">
@@ -3682,6 +4453,57 @@
           </a:prstGeom>
         </p:spPr>
       </p:pic>
+      <mc:AlternateContent xmlns:mc="http://schemas.openxmlformats.org/markup-compatibility/2006">
+        <mc:Choice xmlns:p14="http://schemas.microsoft.com/office/powerpoint/2010/main" Requires="p14">
+          <p:contentPart p14:bwMode="auto" r:id="rId3">
+            <p14:nvContentPartPr>
+              <p14:cNvPr id="2" name="잉크 1">
+                <a:extLst>
+                  <a:ext uri="{FF2B5EF4-FFF2-40B4-BE49-F238E27FC236}">
+                    <a16:creationId xmlns:a16="http://schemas.microsoft.com/office/drawing/2014/main" id="{DD050240-5C4E-9322-881D-9A8811DC8A2E}"/>
+                  </a:ext>
+                </a:extLst>
+              </p14:cNvPr>
+              <p14:cNvContentPartPr/>
+              <p14:nvPr/>
+            </p14:nvContentPartPr>
+            <p14:xfrm>
+              <a:off x="1088463" y="847554"/>
+              <a:ext cx="9850680" cy="360"/>
+            </p14:xfrm>
+          </p:contentPart>
+        </mc:Choice>
+        <mc:Fallback>
+          <p:pic>
+            <p:nvPicPr>
+              <p:cNvPr id="2" name="잉크 1">
+                <a:extLst>
+                  <a:ext uri="{FF2B5EF4-FFF2-40B4-BE49-F238E27FC236}">
+                    <a16:creationId xmlns:a16="http://schemas.microsoft.com/office/drawing/2014/main" id="{DD050240-5C4E-9322-881D-9A8811DC8A2E}"/>
+                  </a:ext>
+                </a:extLst>
+              </p:cNvPr>
+              <p:cNvPicPr/>
+              <p:nvPr/>
+            </p:nvPicPr>
+            <p:blipFill>
+              <a:blip r:embed="rId4"/>
+              <a:stretch>
+                <a:fillRect/>
+              </a:stretch>
+            </p:blipFill>
+            <p:spPr>
+              <a:xfrm>
+                <a:off x="998463" y="667554"/>
+                <a:ext cx="10030320" cy="360000"/>
+              </a:xfrm>
+              <a:prstGeom prst="rect">
+                <a:avLst/>
+              </a:prstGeom>
+            </p:spPr>
+          </p:pic>
+        </mc:Fallback>
+      </mc:AlternateContent>
     </p:spTree>
     <p:extLst>
       <p:ext uri="{BB962C8B-B14F-4D97-AF65-F5344CB8AC3E}">
@@ -3695,7 +4517,7 @@
 </p:sld>
 </file>
 
-<file path=ppt/slides/slide11.xml><?xml version="1.0" encoding="utf-8"?>
+<file path=ppt/slides/slide14.xml><?xml version="1.0" encoding="utf-8"?>
 <p:sld xmlns:a="http://schemas.openxmlformats.org/drawingml/2006/main" xmlns:r="http://schemas.openxmlformats.org/officeDocument/2006/relationships" xmlns:p="http://schemas.openxmlformats.org/presentationml/2006/main">
   <p:cSld>
     <p:spTree>
@@ -3742,36 +4564,6 @@
           </a:prstGeom>
         </p:spPr>
       </p:pic>
-      <p:pic>
-        <p:nvPicPr>
-          <p:cNvPr id="5" name="그림 4">
-            <a:extLst>
-              <a:ext uri="{FF2B5EF4-FFF2-40B4-BE49-F238E27FC236}">
-                <a16:creationId xmlns:a16="http://schemas.microsoft.com/office/drawing/2014/main" id="{77CEF30F-E824-12AB-95D7-7C8953656FDE}"/>
-              </a:ext>
-            </a:extLst>
-          </p:cNvPr>
-          <p:cNvPicPr>
-            <a:picLocks noChangeAspect="1"/>
-          </p:cNvPicPr>
-          <p:nvPr/>
-        </p:nvPicPr>
-        <p:blipFill>
-          <a:blip r:embed="rId3"/>
-          <a:stretch>
-            <a:fillRect/>
-          </a:stretch>
-        </p:blipFill>
-        <p:spPr>
-          <a:xfrm>
-            <a:off x="453090" y="3675941"/>
-            <a:ext cx="11285820" cy="2627480"/>
-          </a:xfrm>
-          <a:prstGeom prst="rect">
-            <a:avLst/>
-          </a:prstGeom>
-        </p:spPr>
-      </p:pic>
     </p:spTree>
     <p:extLst>
       <p:ext uri="{BB962C8B-B14F-4D97-AF65-F5344CB8AC3E}">
@@ -3785,7 +4577,162 @@
 </p:sld>
 </file>
 
-<file path=ppt/slides/slide12.xml><?xml version="1.0" encoding="utf-8"?>
+<file path=ppt/slides/slide15.xml><?xml version="1.0" encoding="utf-8"?>
+<p:sld xmlns:a="http://schemas.openxmlformats.org/drawingml/2006/main" xmlns:r="http://schemas.openxmlformats.org/officeDocument/2006/relationships" xmlns:p="http://schemas.openxmlformats.org/presentationml/2006/main">
+  <p:cSld>
+    <p:spTree>
+      <p:nvGrpSpPr>
+        <p:cNvPr id="1" name=""/>
+        <p:cNvGrpSpPr/>
+        <p:nvPr/>
+      </p:nvGrpSpPr>
+      <p:grpSpPr>
+        <a:xfrm>
+          <a:off x="0" y="0"/>
+          <a:ext cx="0" cy="0"/>
+          <a:chOff x="0" y="0"/>
+          <a:chExt cx="0" cy="0"/>
+        </a:xfrm>
+      </p:grpSpPr>
+      <p:sp>
+        <p:nvSpPr>
+          <p:cNvPr id="2" name="TextBox 1">
+            <a:extLst>
+              <a:ext uri="{FF2B5EF4-FFF2-40B4-BE49-F238E27FC236}">
+                <a16:creationId xmlns:a16="http://schemas.microsoft.com/office/drawing/2014/main" id="{6D5E47BA-144B-6E25-E282-8F211ABD5221}"/>
+              </a:ext>
+            </a:extLst>
+          </p:cNvPr>
+          <p:cNvSpPr txBox="1"/>
+          <p:nvPr/>
+        </p:nvSpPr>
+        <p:spPr>
+          <a:xfrm>
+            <a:off x="1139371" y="2610838"/>
+            <a:ext cx="9913258" cy="830997"/>
+          </a:xfrm>
+          <a:prstGeom prst="rect">
+            <a:avLst/>
+          </a:prstGeom>
+          <a:noFill/>
+        </p:spPr>
+        <p:txBody>
+          <a:bodyPr wrap="square" rtlCol="0">
+            <a:spAutoFit/>
+          </a:bodyPr>
+          <a:lstStyle/>
+          <a:p>
+            <a:pPr algn="ctr"/>
+            <a:r>
+              <a:rPr lang="en-US" altLang="ko-KR" sz="4800" b="1" dirty="0">
+                <a:solidFill>
+                  <a:schemeClr val="accent1"/>
+                </a:solidFill>
+                <a:latin typeface="+mn-ea"/>
+              </a:rPr>
+              <a:t>&lt; </a:t>
+            </a:r>
+            <a:r>
+              <a:rPr lang="ko-KR" altLang="en-US" sz="4800" b="1" dirty="0">
+                <a:solidFill>
+                  <a:schemeClr val="accent1"/>
+                </a:solidFill>
+                <a:latin typeface="+mn-ea"/>
+              </a:rPr>
+              <a:t>변수 </a:t>
+            </a:r>
+            <a:r>
+              <a:rPr lang="en-US" altLang="ko-KR" sz="4800" b="1" dirty="0">
+                <a:solidFill>
+                  <a:schemeClr val="accent1"/>
+                </a:solidFill>
+                <a:latin typeface="+mn-ea"/>
+              </a:rPr>
+              <a:t>&gt;</a:t>
+            </a:r>
+            <a:endParaRPr lang="ko-KR" altLang="en-US" sz="4800" b="1" dirty="0">
+              <a:solidFill>
+                <a:schemeClr val="accent1"/>
+              </a:solidFill>
+              <a:latin typeface="+mn-ea"/>
+            </a:endParaRPr>
+          </a:p>
+        </p:txBody>
+      </p:sp>
+    </p:spTree>
+    <p:extLst>
+      <p:ext uri="{BB962C8B-B14F-4D97-AF65-F5344CB8AC3E}">
+        <p14:creationId xmlns:p14="http://schemas.microsoft.com/office/powerpoint/2010/main" val="1691155775"/>
+      </p:ext>
+    </p:extLst>
+  </p:cSld>
+  <p:clrMapOvr>
+    <a:masterClrMapping/>
+  </p:clrMapOvr>
+</p:sld>
+</file>
+
+<file path=ppt/slides/slide16.xml><?xml version="1.0" encoding="utf-8"?>
+<p:sld xmlns:a="http://schemas.openxmlformats.org/drawingml/2006/main" xmlns:r="http://schemas.openxmlformats.org/officeDocument/2006/relationships" xmlns:p="http://schemas.openxmlformats.org/presentationml/2006/main">
+  <p:cSld>
+    <p:spTree>
+      <p:nvGrpSpPr>
+        <p:cNvPr id="1" name=""/>
+        <p:cNvGrpSpPr/>
+        <p:nvPr/>
+      </p:nvGrpSpPr>
+      <p:grpSpPr>
+        <a:xfrm>
+          <a:off x="0" y="0"/>
+          <a:ext cx="0" cy="0"/>
+          <a:chOff x="0" y="0"/>
+          <a:chExt cx="0" cy="0"/>
+        </a:xfrm>
+      </p:grpSpPr>
+      <p:pic>
+        <p:nvPicPr>
+          <p:cNvPr id="2" name="그림 1">
+            <a:extLst>
+              <a:ext uri="{FF2B5EF4-FFF2-40B4-BE49-F238E27FC236}">
+                <a16:creationId xmlns:a16="http://schemas.microsoft.com/office/drawing/2014/main" id="{3E4E50BB-A76B-171D-BCAA-82B7C6F6AB25}"/>
+              </a:ext>
+            </a:extLst>
+          </p:cNvPr>
+          <p:cNvPicPr>
+            <a:picLocks noChangeAspect="1"/>
+          </p:cNvPicPr>
+          <p:nvPr/>
+        </p:nvPicPr>
+        <p:blipFill>
+          <a:blip r:embed="rId2"/>
+          <a:stretch>
+            <a:fillRect/>
+          </a:stretch>
+        </p:blipFill>
+        <p:spPr>
+          <a:xfrm>
+            <a:off x="336975" y="468284"/>
+            <a:ext cx="11285820" cy="2627480"/>
+          </a:xfrm>
+          <a:prstGeom prst="rect">
+            <a:avLst/>
+          </a:prstGeom>
+        </p:spPr>
+      </p:pic>
+    </p:spTree>
+    <p:extLst>
+      <p:ext uri="{BB962C8B-B14F-4D97-AF65-F5344CB8AC3E}">
+        <p14:creationId xmlns:p14="http://schemas.microsoft.com/office/powerpoint/2010/main" val="682320374"/>
+      </p:ext>
+    </p:extLst>
+  </p:cSld>
+  <p:clrMapOvr>
+    <a:masterClrMapping/>
+  </p:clrMapOvr>
+</p:sld>
+</file>
+
+<file path=ppt/slides/slide17.xml><?xml version="1.0" encoding="utf-8"?>
 <p:sld xmlns:a="http://schemas.openxmlformats.org/drawingml/2006/main" xmlns:r="http://schemas.openxmlformats.org/officeDocument/2006/relationships" xmlns:p="http://schemas.openxmlformats.org/presentationml/2006/main">
   <p:cSld>
     <p:spTree>
@@ -3905,7 +4852,7 @@
 </p:sld>
 </file>
 
-<file path=ppt/slides/slide13.xml><?xml version="1.0" encoding="utf-8"?>
+<file path=ppt/slides/slide18.xml><?xml version="1.0" encoding="utf-8"?>
 <p:sld xmlns:a="http://schemas.openxmlformats.org/drawingml/2006/main" xmlns:r="http://schemas.openxmlformats.org/officeDocument/2006/relationships" xmlns:p="http://schemas.openxmlformats.org/presentationml/2006/main">
   <p:cSld>
     <p:spTree>
@@ -3952,6 +4899,57 @@
           </a:prstGeom>
         </p:spPr>
       </p:pic>
+      <mc:AlternateContent xmlns:mc="http://schemas.openxmlformats.org/markup-compatibility/2006">
+        <mc:Choice xmlns:p14="http://schemas.microsoft.com/office/powerpoint/2010/main" Requires="p14">
+          <p:contentPart p14:bwMode="auto" r:id="rId3">
+            <p14:nvContentPartPr>
+              <p14:cNvPr id="2" name="잉크 1">
+                <a:extLst>
+                  <a:ext uri="{FF2B5EF4-FFF2-40B4-BE49-F238E27FC236}">
+                    <a16:creationId xmlns:a16="http://schemas.microsoft.com/office/drawing/2014/main" id="{276B71BF-A3D7-4E58-D2FF-E3A249935225}"/>
+                  </a:ext>
+                </a:extLst>
+              </p14:cNvPr>
+              <p14:cNvContentPartPr/>
+              <p14:nvPr/>
+            </p14:nvContentPartPr>
+            <p14:xfrm>
+              <a:off x="1218783" y="934674"/>
+              <a:ext cx="7850160" cy="360"/>
+            </p14:xfrm>
+          </p:contentPart>
+        </mc:Choice>
+        <mc:Fallback>
+          <p:pic>
+            <p:nvPicPr>
+              <p:cNvPr id="2" name="잉크 1">
+                <a:extLst>
+                  <a:ext uri="{FF2B5EF4-FFF2-40B4-BE49-F238E27FC236}">
+                    <a16:creationId xmlns:a16="http://schemas.microsoft.com/office/drawing/2014/main" id="{276B71BF-A3D7-4E58-D2FF-E3A249935225}"/>
+                  </a:ext>
+                </a:extLst>
+              </p:cNvPr>
+              <p:cNvPicPr/>
+              <p:nvPr/>
+            </p:nvPicPr>
+            <p:blipFill>
+              <a:blip r:embed="rId4"/>
+              <a:stretch>
+                <a:fillRect/>
+              </a:stretch>
+            </p:blipFill>
+            <p:spPr>
+              <a:xfrm>
+                <a:off x="1129143" y="754674"/>
+                <a:ext cx="8029800" cy="360000"/>
+              </a:xfrm>
+              <a:prstGeom prst="rect">
+                <a:avLst/>
+              </a:prstGeom>
+            </p:spPr>
+          </p:pic>
+        </mc:Fallback>
+      </mc:AlternateContent>
     </p:spTree>
     <p:extLst>
       <p:ext uri="{BB962C8B-B14F-4D97-AF65-F5344CB8AC3E}">
@@ -3965,7 +4963,7 @@
 </p:sld>
 </file>
 
-<file path=ppt/slides/slide14.xml><?xml version="1.0" encoding="utf-8"?>
+<file path=ppt/slides/slide19.xml><?xml version="1.0" encoding="utf-8"?>
 <p:sld xmlns:a="http://schemas.openxmlformats.org/drawingml/2006/main" xmlns:r="http://schemas.openxmlformats.org/officeDocument/2006/relationships" xmlns:p="http://schemas.openxmlformats.org/presentationml/2006/main">
   <p:cSld>
     <p:spTree>
@@ -4012,6 +5010,57 @@
           </a:prstGeom>
         </p:spPr>
       </p:pic>
+      <mc:AlternateContent xmlns:mc="http://schemas.openxmlformats.org/markup-compatibility/2006">
+        <mc:Choice xmlns:p14="http://schemas.microsoft.com/office/powerpoint/2010/main" Requires="p14">
+          <p:contentPart p14:bwMode="auto" r:id="rId3">
+            <p14:nvContentPartPr>
+              <p14:cNvPr id="2" name="잉크 1">
+                <a:extLst>
+                  <a:ext uri="{FF2B5EF4-FFF2-40B4-BE49-F238E27FC236}">
+                    <a16:creationId xmlns:a16="http://schemas.microsoft.com/office/drawing/2014/main" id="{423BD697-8AAC-E62D-A86E-EE6BD0C42B83}"/>
+                  </a:ext>
+                </a:extLst>
+              </p14:cNvPr>
+              <p14:cNvContentPartPr/>
+              <p14:nvPr/>
+            </p14:nvContentPartPr>
+            <p14:xfrm>
+              <a:off x="1044543" y="557034"/>
+              <a:ext cx="10420920" cy="360"/>
+            </p14:xfrm>
+          </p:contentPart>
+        </mc:Choice>
+        <mc:Fallback>
+          <p:pic>
+            <p:nvPicPr>
+              <p:cNvPr id="2" name="잉크 1">
+                <a:extLst>
+                  <a:ext uri="{FF2B5EF4-FFF2-40B4-BE49-F238E27FC236}">
+                    <a16:creationId xmlns:a16="http://schemas.microsoft.com/office/drawing/2014/main" id="{423BD697-8AAC-E62D-A86E-EE6BD0C42B83}"/>
+                  </a:ext>
+                </a:extLst>
+              </p:cNvPr>
+              <p:cNvPicPr/>
+              <p:nvPr/>
+            </p:nvPicPr>
+            <p:blipFill>
+              <a:blip r:embed="rId4"/>
+              <a:stretch>
+                <a:fillRect/>
+              </a:stretch>
+            </p:blipFill>
+            <p:spPr>
+              <a:xfrm>
+                <a:off x="954543" y="377394"/>
+                <a:ext cx="10600560" cy="360000"/>
+              </a:xfrm>
+              <a:prstGeom prst="rect">
+                <a:avLst/>
+              </a:prstGeom>
+            </p:spPr>
+          </p:pic>
+        </mc:Fallback>
+      </mc:AlternateContent>
     </p:spTree>
     <p:extLst>
       <p:ext uri="{BB962C8B-B14F-4D97-AF65-F5344CB8AC3E}">
@@ -4026,6 +5075,762 @@
 </file>
 
 <file path=ppt/slides/slide2.xml><?xml version="1.0" encoding="utf-8"?>
+<p:sld xmlns:a="http://schemas.openxmlformats.org/drawingml/2006/main" xmlns:r="http://schemas.openxmlformats.org/officeDocument/2006/relationships" xmlns:p="http://schemas.openxmlformats.org/presentationml/2006/main">
+  <p:cSld>
+    <p:spTree>
+      <p:nvGrpSpPr>
+        <p:cNvPr id="1" name=""/>
+        <p:cNvGrpSpPr/>
+        <p:nvPr/>
+      </p:nvGrpSpPr>
+      <p:grpSpPr>
+        <a:xfrm>
+          <a:off x="0" y="0"/>
+          <a:ext cx="0" cy="0"/>
+          <a:chOff x="0" y="0"/>
+          <a:chExt cx="0" cy="0"/>
+        </a:xfrm>
+      </p:grpSpPr>
+      <p:sp>
+        <p:nvSpPr>
+          <p:cNvPr id="2" name="제목 1">
+            <a:extLst>
+              <a:ext uri="{FF2B5EF4-FFF2-40B4-BE49-F238E27FC236}">
+                <a16:creationId xmlns:a16="http://schemas.microsoft.com/office/drawing/2014/main" id="{0E0D856F-4106-A50C-D169-B97267D7C681}"/>
+              </a:ext>
+            </a:extLst>
+          </p:cNvPr>
+          <p:cNvSpPr>
+            <a:spLocks noGrp="1"/>
+          </p:cNvSpPr>
+          <p:nvPr>
+            <p:ph type="title"/>
+          </p:nvPr>
+        </p:nvSpPr>
+        <p:spPr/>
+        <p:txBody>
+          <a:bodyPr/>
+          <a:lstStyle/>
+          <a:p>
+            <a:r>
+              <a:rPr lang="en-US" altLang="ko-KR" b="1" dirty="0"/>
+              <a:t>&lt; </a:t>
+            </a:r>
+            <a:r>
+              <a:rPr lang="ko-KR" altLang="en-US" b="1" dirty="0"/>
+              <a:t>학습 내용 </a:t>
+            </a:r>
+            <a:r>
+              <a:rPr lang="en-US" altLang="ko-KR" b="1" dirty="0"/>
+              <a:t>&gt;</a:t>
+            </a:r>
+            <a:endParaRPr lang="ko-KR" altLang="en-US" b="1" dirty="0"/>
+          </a:p>
+        </p:txBody>
+      </p:sp>
+      <p:sp>
+        <p:nvSpPr>
+          <p:cNvPr id="3" name="세로 텍스트 개체 틀 2">
+            <a:extLst>
+              <a:ext uri="{FF2B5EF4-FFF2-40B4-BE49-F238E27FC236}">
+                <a16:creationId xmlns:a16="http://schemas.microsoft.com/office/drawing/2014/main" id="{29490A46-00F2-4D62-ABCC-029E4074B162}"/>
+              </a:ext>
+            </a:extLst>
+          </p:cNvPr>
+          <p:cNvSpPr>
+            <a:spLocks noGrp="1"/>
+          </p:cNvSpPr>
+          <p:nvPr>
+            <p:ph type="body" orient="vert" idx="1"/>
+          </p:nvPr>
+        </p:nvSpPr>
+        <p:spPr/>
+        <p:txBody>
+          <a:bodyPr vert="horz">
+            <a:normAutofit/>
+          </a:bodyPr>
+          <a:lstStyle/>
+          <a:p>
+            <a:r>
+              <a:rPr lang="en-US" altLang="ko-KR" sz="4000" dirty="0"/>
+              <a:t> </a:t>
+            </a:r>
+            <a:r>
+              <a:rPr lang="ko-KR" altLang="en-US" sz="4000" dirty="0"/>
+              <a:t>프로그래밍 언어 기본 요소</a:t>
+            </a:r>
+            <a:endParaRPr lang="en-US" altLang="ko-KR" sz="4000" dirty="0"/>
+          </a:p>
+          <a:p>
+            <a:endParaRPr lang="en-US" altLang="ko-KR" sz="4000" dirty="0"/>
+          </a:p>
+          <a:p>
+            <a:r>
+              <a:rPr lang="ko-KR" altLang="en-US" sz="4000" dirty="0"/>
+              <a:t> 기본 구조</a:t>
+            </a:r>
+            <a:endParaRPr lang="en-US" altLang="ko-KR" sz="4000" dirty="0"/>
+          </a:p>
+          <a:p>
+            <a:endParaRPr lang="en-US" altLang="ko-KR" sz="4000" dirty="0"/>
+          </a:p>
+          <a:p>
+            <a:r>
+              <a:rPr lang="ko-KR" altLang="en-US" sz="4000"/>
+              <a:t> 변수 </a:t>
+            </a:r>
+            <a:endParaRPr lang="ko-KR" altLang="en-US" sz="4000" dirty="0"/>
+          </a:p>
+        </p:txBody>
+      </p:sp>
+    </p:spTree>
+    <p:extLst>
+      <p:ext uri="{BB962C8B-B14F-4D97-AF65-F5344CB8AC3E}">
+        <p14:creationId xmlns:p14="http://schemas.microsoft.com/office/powerpoint/2010/main" val="618819181"/>
+      </p:ext>
+    </p:extLst>
+  </p:cSld>
+  <p:clrMapOvr>
+    <a:masterClrMapping/>
+  </p:clrMapOvr>
+</p:sld>
+</file>
+
+<file path=ppt/slides/slide20.xml><?xml version="1.0" encoding="utf-8"?>
+<p:sld xmlns:a="http://schemas.openxmlformats.org/drawingml/2006/main" xmlns:r="http://schemas.openxmlformats.org/officeDocument/2006/relationships" xmlns:p="http://schemas.openxmlformats.org/presentationml/2006/main">
+  <p:cSld>
+    <p:spTree>
+      <p:nvGrpSpPr>
+        <p:cNvPr id="1" name=""/>
+        <p:cNvGrpSpPr/>
+        <p:nvPr/>
+      </p:nvGrpSpPr>
+      <p:grpSpPr>
+        <a:xfrm>
+          <a:off x="0" y="0"/>
+          <a:ext cx="0" cy="0"/>
+          <a:chOff x="0" y="0"/>
+          <a:chExt cx="0" cy="0"/>
+        </a:xfrm>
+      </p:grpSpPr>
+      <p:pic>
+        <p:nvPicPr>
+          <p:cNvPr id="3" name="그림 2">
+            <a:extLst>
+              <a:ext uri="{FF2B5EF4-FFF2-40B4-BE49-F238E27FC236}">
+                <a16:creationId xmlns:a16="http://schemas.microsoft.com/office/drawing/2014/main" id="{8C49DD8D-42A7-258B-8034-AAF9AC8EF2C3}"/>
+              </a:ext>
+            </a:extLst>
+          </p:cNvPr>
+          <p:cNvPicPr>
+            <a:picLocks noChangeAspect="1"/>
+          </p:cNvPicPr>
+          <p:nvPr/>
+        </p:nvPicPr>
+        <p:blipFill>
+          <a:blip r:embed="rId2"/>
+          <a:stretch>
+            <a:fillRect/>
+          </a:stretch>
+        </p:blipFill>
+        <p:spPr>
+          <a:xfrm>
+            <a:off x="390207" y="390440"/>
+            <a:ext cx="7290753" cy="1921831"/>
+          </a:xfrm>
+          <a:prstGeom prst="rect">
+            <a:avLst/>
+          </a:prstGeom>
+        </p:spPr>
+      </p:pic>
+      <p:pic>
+        <p:nvPicPr>
+          <p:cNvPr id="5" name="그림 4">
+            <a:extLst>
+              <a:ext uri="{FF2B5EF4-FFF2-40B4-BE49-F238E27FC236}">
+                <a16:creationId xmlns:a16="http://schemas.microsoft.com/office/drawing/2014/main" id="{31249B1C-00FA-38D6-CFFB-08BD7AC0F939}"/>
+              </a:ext>
+            </a:extLst>
+          </p:cNvPr>
+          <p:cNvPicPr>
+            <a:picLocks noChangeAspect="1"/>
+          </p:cNvPicPr>
+          <p:nvPr/>
+        </p:nvPicPr>
+        <p:blipFill>
+          <a:blip r:embed="rId3"/>
+          <a:stretch>
+            <a:fillRect/>
+          </a:stretch>
+        </p:blipFill>
+        <p:spPr>
+          <a:xfrm>
+            <a:off x="390206" y="2520133"/>
+            <a:ext cx="8769033" cy="3958344"/>
+          </a:xfrm>
+          <a:prstGeom prst="rect">
+            <a:avLst/>
+          </a:prstGeom>
+        </p:spPr>
+      </p:pic>
+      <mc:AlternateContent xmlns:mc="http://schemas.openxmlformats.org/markup-compatibility/2006">
+        <mc:Choice xmlns:p14="http://schemas.microsoft.com/office/powerpoint/2010/main" Requires="p14">
+          <p:contentPart p14:bwMode="auto" r:id="rId4">
+            <p14:nvContentPartPr>
+              <p14:cNvPr id="7" name="잉크 6">
+                <a:extLst>
+                  <a:ext uri="{FF2B5EF4-FFF2-40B4-BE49-F238E27FC236}">
+                    <a16:creationId xmlns:a16="http://schemas.microsoft.com/office/drawing/2014/main" id="{4E13B31A-E3FB-471A-9388-F5789358CDFC}"/>
+                  </a:ext>
+                </a:extLst>
+              </p14:cNvPr>
+              <p14:cNvContentPartPr/>
+              <p14:nvPr/>
+            </p14:nvContentPartPr>
+            <p14:xfrm>
+              <a:off x="1378623" y="1602114"/>
+              <a:ext cx="6181560" cy="360"/>
+            </p14:xfrm>
+          </p:contentPart>
+        </mc:Choice>
+        <mc:Fallback>
+          <p:pic>
+            <p:nvPicPr>
+              <p:cNvPr id="7" name="잉크 6">
+                <a:extLst>
+                  <a:ext uri="{FF2B5EF4-FFF2-40B4-BE49-F238E27FC236}">
+                    <a16:creationId xmlns:a16="http://schemas.microsoft.com/office/drawing/2014/main" id="{4E13B31A-E3FB-471A-9388-F5789358CDFC}"/>
+                  </a:ext>
+                </a:extLst>
+              </p:cNvPr>
+              <p:cNvPicPr/>
+              <p:nvPr/>
+            </p:nvPicPr>
+            <p:blipFill>
+              <a:blip r:embed="rId5"/>
+              <a:stretch>
+                <a:fillRect/>
+              </a:stretch>
+            </p:blipFill>
+            <p:spPr>
+              <a:xfrm>
+                <a:off x="1288623" y="1422474"/>
+                <a:ext cx="6361200" cy="360000"/>
+              </a:xfrm>
+              <a:prstGeom prst="rect">
+                <a:avLst/>
+              </a:prstGeom>
+            </p:spPr>
+          </p:pic>
+        </mc:Fallback>
+      </mc:AlternateContent>
+    </p:spTree>
+    <p:extLst>
+      <p:ext uri="{BB962C8B-B14F-4D97-AF65-F5344CB8AC3E}">
+        <p14:creationId xmlns:p14="http://schemas.microsoft.com/office/powerpoint/2010/main" val="3916576540"/>
+      </p:ext>
+    </p:extLst>
+  </p:cSld>
+  <p:clrMapOvr>
+    <a:masterClrMapping/>
+  </p:clrMapOvr>
+</p:sld>
+</file>
+
+<file path=ppt/slides/slide21.xml><?xml version="1.0" encoding="utf-8"?>
+<p:sld xmlns:a="http://schemas.openxmlformats.org/drawingml/2006/main" xmlns:r="http://schemas.openxmlformats.org/officeDocument/2006/relationships" xmlns:p="http://schemas.openxmlformats.org/presentationml/2006/main">
+  <p:cSld>
+    <p:spTree>
+      <p:nvGrpSpPr>
+        <p:cNvPr id="1" name=""/>
+        <p:cNvGrpSpPr/>
+        <p:nvPr/>
+      </p:nvGrpSpPr>
+      <p:grpSpPr>
+        <a:xfrm>
+          <a:off x="0" y="0"/>
+          <a:ext cx="0" cy="0"/>
+          <a:chOff x="0" y="0"/>
+          <a:chExt cx="0" cy="0"/>
+        </a:xfrm>
+      </p:grpSpPr>
+      <p:pic>
+        <p:nvPicPr>
+          <p:cNvPr id="3" name="그림 2">
+            <a:extLst>
+              <a:ext uri="{FF2B5EF4-FFF2-40B4-BE49-F238E27FC236}">
+                <a16:creationId xmlns:a16="http://schemas.microsoft.com/office/drawing/2014/main" id="{E4F141C8-F0A2-09B4-B217-F2E529B0DFB0}"/>
+              </a:ext>
+            </a:extLst>
+          </p:cNvPr>
+          <p:cNvPicPr>
+            <a:picLocks noChangeAspect="1"/>
+          </p:cNvPicPr>
+          <p:nvPr/>
+        </p:nvPicPr>
+        <p:blipFill>
+          <a:blip r:embed="rId2"/>
+          <a:stretch>
+            <a:fillRect/>
+          </a:stretch>
+        </p:blipFill>
+        <p:spPr>
+          <a:xfrm>
+            <a:off x="360486" y="343610"/>
+            <a:ext cx="11411342" cy="5386629"/>
+          </a:xfrm>
+          <a:prstGeom prst="rect">
+            <a:avLst/>
+          </a:prstGeom>
+        </p:spPr>
+      </p:pic>
+      <p:pic>
+        <p:nvPicPr>
+          <p:cNvPr id="5" name="그림 4">
+            <a:extLst>
+              <a:ext uri="{FF2B5EF4-FFF2-40B4-BE49-F238E27FC236}">
+                <a16:creationId xmlns:a16="http://schemas.microsoft.com/office/drawing/2014/main" id="{74BD7280-72F5-6281-E5FB-E4646DC59066}"/>
+              </a:ext>
+            </a:extLst>
+          </p:cNvPr>
+          <p:cNvPicPr>
+            <a:picLocks noChangeAspect="1"/>
+          </p:cNvPicPr>
+          <p:nvPr/>
+        </p:nvPicPr>
+        <p:blipFill>
+          <a:blip r:embed="rId3"/>
+          <a:stretch>
+            <a:fillRect/>
+          </a:stretch>
+        </p:blipFill>
+        <p:spPr>
+          <a:xfrm>
+            <a:off x="8898216" y="3819626"/>
+            <a:ext cx="2638464" cy="1910613"/>
+          </a:xfrm>
+          <a:prstGeom prst="rect">
+            <a:avLst/>
+          </a:prstGeom>
+        </p:spPr>
+      </p:pic>
+      <mc:AlternateContent xmlns:mc="http://schemas.openxmlformats.org/markup-compatibility/2006">
+        <mc:Choice xmlns:p14="http://schemas.microsoft.com/office/powerpoint/2010/main" Requires="p14">
+          <p:contentPart p14:bwMode="auto" r:id="rId4">
+            <p14:nvContentPartPr>
+              <p14:cNvPr id="6" name="잉크 5">
+                <a:extLst>
+                  <a:ext uri="{FF2B5EF4-FFF2-40B4-BE49-F238E27FC236}">
+                    <a16:creationId xmlns:a16="http://schemas.microsoft.com/office/drawing/2014/main" id="{F0060680-F588-748F-2B7B-5EDE4D9B4FD6}"/>
+                  </a:ext>
+                </a:extLst>
+              </p14:cNvPr>
+              <p14:cNvContentPartPr/>
+              <p14:nvPr/>
+            </p14:nvContentPartPr>
+            <p14:xfrm>
+              <a:off x="9027183" y="1282794"/>
+              <a:ext cx="2568600" cy="360"/>
+            </p14:xfrm>
+          </p:contentPart>
+        </mc:Choice>
+        <mc:Fallback>
+          <p:pic>
+            <p:nvPicPr>
+              <p:cNvPr id="6" name="잉크 5">
+                <a:extLst>
+                  <a:ext uri="{FF2B5EF4-FFF2-40B4-BE49-F238E27FC236}">
+                    <a16:creationId xmlns:a16="http://schemas.microsoft.com/office/drawing/2014/main" id="{F0060680-F588-748F-2B7B-5EDE4D9B4FD6}"/>
+                  </a:ext>
+                </a:extLst>
+              </p:cNvPr>
+              <p:cNvPicPr/>
+              <p:nvPr/>
+            </p:nvPicPr>
+            <p:blipFill>
+              <a:blip r:embed="rId5"/>
+              <a:stretch>
+                <a:fillRect/>
+              </a:stretch>
+            </p:blipFill>
+            <p:spPr>
+              <a:xfrm>
+                <a:off x="8937543" y="1103154"/>
+                <a:ext cx="2748240" cy="360000"/>
+              </a:xfrm>
+              <a:prstGeom prst="rect">
+                <a:avLst/>
+              </a:prstGeom>
+            </p:spPr>
+          </p:pic>
+        </mc:Fallback>
+      </mc:AlternateContent>
+      <mc:AlternateContent xmlns:mc="http://schemas.openxmlformats.org/markup-compatibility/2006">
+        <mc:Choice xmlns:p14="http://schemas.microsoft.com/office/powerpoint/2010/main" Requires="p14">
+          <p:contentPart p14:bwMode="auto" r:id="rId6">
+            <p14:nvContentPartPr>
+              <p14:cNvPr id="7" name="잉크 6">
+                <a:extLst>
+                  <a:ext uri="{FF2B5EF4-FFF2-40B4-BE49-F238E27FC236}">
+                    <a16:creationId xmlns:a16="http://schemas.microsoft.com/office/drawing/2014/main" id="{F901D0C2-66B7-34E0-F55D-F46FC65A68A0}"/>
+                  </a:ext>
+                </a:extLst>
+              </p14:cNvPr>
+              <p14:cNvContentPartPr/>
+              <p14:nvPr/>
+            </p14:nvContentPartPr>
+            <p14:xfrm>
+              <a:off x="754383" y="1573314"/>
+              <a:ext cx="3496680" cy="360"/>
+            </p14:xfrm>
+          </p:contentPart>
+        </mc:Choice>
+        <mc:Fallback>
+          <p:pic>
+            <p:nvPicPr>
+              <p:cNvPr id="7" name="잉크 6">
+                <a:extLst>
+                  <a:ext uri="{FF2B5EF4-FFF2-40B4-BE49-F238E27FC236}">
+                    <a16:creationId xmlns:a16="http://schemas.microsoft.com/office/drawing/2014/main" id="{F901D0C2-66B7-34E0-F55D-F46FC65A68A0}"/>
+                  </a:ext>
+                </a:extLst>
+              </p:cNvPr>
+              <p:cNvPicPr/>
+              <p:nvPr/>
+            </p:nvPicPr>
+            <p:blipFill>
+              <a:blip r:embed="rId7"/>
+              <a:stretch>
+                <a:fillRect/>
+              </a:stretch>
+            </p:blipFill>
+            <p:spPr>
+              <a:xfrm>
+                <a:off x="664383" y="1393314"/>
+                <a:ext cx="3676320" cy="360000"/>
+              </a:xfrm>
+              <a:prstGeom prst="rect">
+                <a:avLst/>
+              </a:prstGeom>
+            </p:spPr>
+          </p:pic>
+        </mc:Fallback>
+      </mc:AlternateContent>
+      <mc:AlternateContent xmlns:mc="http://schemas.openxmlformats.org/markup-compatibility/2006">
+        <mc:Choice xmlns:p14="http://schemas.microsoft.com/office/powerpoint/2010/main" Requires="p14">
+          <p:contentPart p14:bwMode="auto" r:id="rId8">
+            <p14:nvContentPartPr>
+              <p14:cNvPr id="8" name="잉크 7">
+                <a:extLst>
+                  <a:ext uri="{FF2B5EF4-FFF2-40B4-BE49-F238E27FC236}">
+                    <a16:creationId xmlns:a16="http://schemas.microsoft.com/office/drawing/2014/main" id="{4D5F30C9-BA18-8A93-4386-320E81BE5C26}"/>
+                  </a:ext>
+                </a:extLst>
+              </p14:cNvPr>
+              <p14:cNvContentPartPr/>
+              <p14:nvPr/>
+            </p14:nvContentPartPr>
+            <p14:xfrm>
+              <a:off x="1378623" y="2357034"/>
+              <a:ext cx="5211720" cy="360"/>
+            </p14:xfrm>
+          </p:contentPart>
+        </mc:Choice>
+        <mc:Fallback>
+          <p:pic>
+            <p:nvPicPr>
+              <p:cNvPr id="8" name="잉크 7">
+                <a:extLst>
+                  <a:ext uri="{FF2B5EF4-FFF2-40B4-BE49-F238E27FC236}">
+                    <a16:creationId xmlns:a16="http://schemas.microsoft.com/office/drawing/2014/main" id="{4D5F30C9-BA18-8A93-4386-320E81BE5C26}"/>
+                  </a:ext>
+                </a:extLst>
+              </p:cNvPr>
+              <p:cNvPicPr/>
+              <p:nvPr/>
+            </p:nvPicPr>
+            <p:blipFill>
+              <a:blip r:embed="rId9"/>
+              <a:stretch>
+                <a:fillRect/>
+              </a:stretch>
+            </p:blipFill>
+            <p:spPr>
+              <a:xfrm>
+                <a:off x="1288623" y="2177034"/>
+                <a:ext cx="5391360" cy="360000"/>
+              </a:xfrm>
+              <a:prstGeom prst="rect">
+                <a:avLst/>
+              </a:prstGeom>
+            </p:spPr>
+          </p:pic>
+        </mc:Fallback>
+      </mc:AlternateContent>
+    </p:spTree>
+    <p:extLst>
+      <p:ext uri="{BB962C8B-B14F-4D97-AF65-F5344CB8AC3E}">
+        <p14:creationId xmlns:p14="http://schemas.microsoft.com/office/powerpoint/2010/main" val="4108911532"/>
+      </p:ext>
+    </p:extLst>
+  </p:cSld>
+  <p:clrMapOvr>
+    <a:masterClrMapping/>
+  </p:clrMapOvr>
+</p:sld>
+</file>
+
+<file path=ppt/slides/slide22.xml><?xml version="1.0" encoding="utf-8"?>
+<p:sld xmlns:a="http://schemas.openxmlformats.org/drawingml/2006/main" xmlns:r="http://schemas.openxmlformats.org/officeDocument/2006/relationships" xmlns:p="http://schemas.openxmlformats.org/presentationml/2006/main">
+  <p:cSld>
+    <p:spTree>
+      <p:nvGrpSpPr>
+        <p:cNvPr id="1" name=""/>
+        <p:cNvGrpSpPr/>
+        <p:nvPr/>
+      </p:nvGrpSpPr>
+      <p:grpSpPr>
+        <a:xfrm>
+          <a:off x="0" y="0"/>
+          <a:ext cx="0" cy="0"/>
+          <a:chOff x="0" y="0"/>
+          <a:chExt cx="0" cy="0"/>
+        </a:xfrm>
+      </p:grpSpPr>
+      <p:sp>
+        <p:nvSpPr>
+          <p:cNvPr id="2" name="TextBox 1">
+            <a:extLst>
+              <a:ext uri="{FF2B5EF4-FFF2-40B4-BE49-F238E27FC236}">
+                <a16:creationId xmlns:a16="http://schemas.microsoft.com/office/drawing/2014/main" id="{6D5E47BA-144B-6E25-E282-8F211ABD5221}"/>
+              </a:ext>
+            </a:extLst>
+          </p:cNvPr>
+          <p:cNvSpPr txBox="1"/>
+          <p:nvPr/>
+        </p:nvSpPr>
+        <p:spPr>
+          <a:xfrm>
+            <a:off x="1139371" y="2610838"/>
+            <a:ext cx="9913258" cy="830997"/>
+          </a:xfrm>
+          <a:prstGeom prst="rect">
+            <a:avLst/>
+          </a:prstGeom>
+          <a:noFill/>
+        </p:spPr>
+        <p:txBody>
+          <a:bodyPr wrap="square" rtlCol="0">
+            <a:spAutoFit/>
+          </a:bodyPr>
+          <a:lstStyle/>
+          <a:p>
+            <a:pPr algn="ctr"/>
+            <a:r>
+              <a:rPr lang="en-US" altLang="ko-KR" sz="4800" b="1" dirty="0">
+                <a:solidFill>
+                  <a:schemeClr val="accent1"/>
+                </a:solidFill>
+                <a:latin typeface="+mn-ea"/>
+              </a:rPr>
+              <a:t>&lt; </a:t>
+            </a:r>
+            <a:r>
+              <a:rPr lang="ko-KR" altLang="en-US" sz="4800" b="1" dirty="0">
+                <a:solidFill>
+                  <a:schemeClr val="accent1"/>
+                </a:solidFill>
+                <a:latin typeface="+mn-ea"/>
+              </a:rPr>
+              <a:t>정리하기 </a:t>
+            </a:r>
+            <a:r>
+              <a:rPr lang="en-US" altLang="ko-KR" sz="4800" b="1" dirty="0">
+                <a:solidFill>
+                  <a:schemeClr val="accent1"/>
+                </a:solidFill>
+                <a:latin typeface="+mn-ea"/>
+              </a:rPr>
+              <a:t>&gt;</a:t>
+            </a:r>
+            <a:endParaRPr lang="ko-KR" altLang="en-US" sz="4800" b="1" dirty="0">
+              <a:solidFill>
+                <a:schemeClr val="accent1"/>
+              </a:solidFill>
+              <a:latin typeface="+mn-ea"/>
+            </a:endParaRPr>
+          </a:p>
+        </p:txBody>
+      </p:sp>
+    </p:spTree>
+    <p:extLst>
+      <p:ext uri="{BB962C8B-B14F-4D97-AF65-F5344CB8AC3E}">
+        <p14:creationId xmlns:p14="http://schemas.microsoft.com/office/powerpoint/2010/main" val="3896227482"/>
+      </p:ext>
+    </p:extLst>
+  </p:cSld>
+  <p:clrMapOvr>
+    <a:masterClrMapping/>
+  </p:clrMapOvr>
+</p:sld>
+</file>
+
+<file path=ppt/slides/slide23.xml><?xml version="1.0" encoding="utf-8"?>
+<p:sld xmlns:a="http://schemas.openxmlformats.org/drawingml/2006/main" xmlns:r="http://schemas.openxmlformats.org/officeDocument/2006/relationships" xmlns:p="http://schemas.openxmlformats.org/presentationml/2006/main">
+  <p:cSld>
+    <p:spTree>
+      <p:nvGrpSpPr>
+        <p:cNvPr id="1" name=""/>
+        <p:cNvGrpSpPr/>
+        <p:nvPr/>
+      </p:nvGrpSpPr>
+      <p:grpSpPr>
+        <a:xfrm>
+          <a:off x="0" y="0"/>
+          <a:ext cx="0" cy="0"/>
+          <a:chOff x="0" y="0"/>
+          <a:chExt cx="0" cy="0"/>
+        </a:xfrm>
+      </p:grpSpPr>
+      <p:pic>
+        <p:nvPicPr>
+          <p:cNvPr id="3" name="그림 2">
+            <a:extLst>
+              <a:ext uri="{FF2B5EF4-FFF2-40B4-BE49-F238E27FC236}">
+                <a16:creationId xmlns:a16="http://schemas.microsoft.com/office/drawing/2014/main" id="{9A46AADB-57C6-4396-4335-40225712A0AF}"/>
+              </a:ext>
+            </a:extLst>
+          </p:cNvPr>
+          <p:cNvPicPr>
+            <a:picLocks noChangeAspect="1"/>
+          </p:cNvPicPr>
+          <p:nvPr/>
+        </p:nvPicPr>
+        <p:blipFill>
+          <a:blip r:embed="rId2"/>
+          <a:stretch>
+            <a:fillRect/>
+          </a:stretch>
+        </p:blipFill>
+        <p:spPr>
+          <a:xfrm>
+            <a:off x="481960" y="425369"/>
+            <a:ext cx="8168554" cy="6090243"/>
+          </a:xfrm>
+          <a:prstGeom prst="rect">
+            <a:avLst/>
+          </a:prstGeom>
+        </p:spPr>
+      </p:pic>
+    </p:spTree>
+    <p:extLst>
+      <p:ext uri="{BB962C8B-B14F-4D97-AF65-F5344CB8AC3E}">
+        <p14:creationId xmlns:p14="http://schemas.microsoft.com/office/powerpoint/2010/main" val="54644359"/>
+      </p:ext>
+    </p:extLst>
+  </p:cSld>
+  <p:clrMapOvr>
+    <a:masterClrMapping/>
+  </p:clrMapOvr>
+</p:sld>
+</file>
+
+<file path=ppt/slides/slide3.xml><?xml version="1.0" encoding="utf-8"?>
+<p:sld xmlns:a="http://schemas.openxmlformats.org/drawingml/2006/main" xmlns:r="http://schemas.openxmlformats.org/officeDocument/2006/relationships" xmlns:p="http://schemas.openxmlformats.org/presentationml/2006/main">
+  <p:cSld>
+    <p:spTree>
+      <p:nvGrpSpPr>
+        <p:cNvPr id="1" name=""/>
+        <p:cNvGrpSpPr/>
+        <p:nvPr/>
+      </p:nvGrpSpPr>
+      <p:grpSpPr>
+        <a:xfrm>
+          <a:off x="0" y="0"/>
+          <a:ext cx="0" cy="0"/>
+          <a:chOff x="0" y="0"/>
+          <a:chExt cx="0" cy="0"/>
+        </a:xfrm>
+      </p:grpSpPr>
+      <p:sp>
+        <p:nvSpPr>
+          <p:cNvPr id="2" name="TextBox 1">
+            <a:extLst>
+              <a:ext uri="{FF2B5EF4-FFF2-40B4-BE49-F238E27FC236}">
+                <a16:creationId xmlns:a16="http://schemas.microsoft.com/office/drawing/2014/main" id="{6D5E47BA-144B-6E25-E282-8F211ABD5221}"/>
+              </a:ext>
+            </a:extLst>
+          </p:cNvPr>
+          <p:cNvSpPr txBox="1"/>
+          <p:nvPr/>
+        </p:nvSpPr>
+        <p:spPr>
+          <a:xfrm>
+            <a:off x="1139371" y="2610838"/>
+            <a:ext cx="9913258" cy="830997"/>
+          </a:xfrm>
+          <a:prstGeom prst="rect">
+            <a:avLst/>
+          </a:prstGeom>
+          <a:noFill/>
+        </p:spPr>
+        <p:txBody>
+          <a:bodyPr wrap="square" rtlCol="0">
+            <a:spAutoFit/>
+          </a:bodyPr>
+          <a:lstStyle/>
+          <a:p>
+            <a:pPr algn="ctr"/>
+            <a:r>
+              <a:rPr lang="en-US" altLang="ko-KR" sz="4800" b="1" dirty="0">
+                <a:solidFill>
+                  <a:schemeClr val="accent1"/>
+                </a:solidFill>
+                <a:latin typeface="+mn-ea"/>
+              </a:rPr>
+              <a:t>&lt; </a:t>
+            </a:r>
+            <a:r>
+              <a:rPr lang="ko-KR" altLang="en-US" sz="4800" b="1" dirty="0">
+                <a:solidFill>
+                  <a:schemeClr val="accent1"/>
+                </a:solidFill>
+                <a:latin typeface="+mn-ea"/>
+              </a:rPr>
+              <a:t>프로그래밍 언어 기본 요소 </a:t>
+            </a:r>
+            <a:r>
+              <a:rPr lang="en-US" altLang="ko-KR" sz="4800" b="1" dirty="0">
+                <a:solidFill>
+                  <a:schemeClr val="accent1"/>
+                </a:solidFill>
+                <a:latin typeface="+mn-ea"/>
+              </a:rPr>
+              <a:t>&gt;</a:t>
+            </a:r>
+            <a:endParaRPr lang="ko-KR" altLang="en-US" sz="4800" b="1" dirty="0">
+              <a:solidFill>
+                <a:schemeClr val="accent1"/>
+              </a:solidFill>
+              <a:latin typeface="+mn-ea"/>
+            </a:endParaRPr>
+          </a:p>
+        </p:txBody>
+      </p:sp>
+    </p:spTree>
+    <p:extLst>
+      <p:ext uri="{BB962C8B-B14F-4D97-AF65-F5344CB8AC3E}">
+        <p14:creationId xmlns:p14="http://schemas.microsoft.com/office/powerpoint/2010/main" val="2450836371"/>
+      </p:ext>
+    </p:extLst>
+  </p:cSld>
+  <p:clrMapOvr>
+    <a:masterClrMapping/>
+  </p:clrMapOvr>
+</p:sld>
+</file>
+
+<file path=ppt/slides/slide4.xml><?xml version="1.0" encoding="utf-8"?>
 <p:sld xmlns:a="http://schemas.openxmlformats.org/drawingml/2006/main" xmlns:r="http://schemas.openxmlformats.org/officeDocument/2006/relationships" xmlns:p="http://schemas.openxmlformats.org/presentationml/2006/main">
   <p:cSld>
     <p:spTree>
@@ -4306,6 +6111,312 @@
           </a:p>
         </p:txBody>
       </p:sp>
+      <mc:AlternateContent xmlns:mc="http://schemas.openxmlformats.org/markup-compatibility/2006">
+        <mc:Choice xmlns:p14="http://schemas.microsoft.com/office/powerpoint/2010/main" Requires="p14">
+          <p:contentPart p14:bwMode="auto" r:id="rId6">
+            <p14:nvContentPartPr>
+              <p14:cNvPr id="15" name="잉크 14">
+                <a:extLst>
+                  <a:ext uri="{FF2B5EF4-FFF2-40B4-BE49-F238E27FC236}">
+                    <a16:creationId xmlns:a16="http://schemas.microsoft.com/office/drawing/2014/main" id="{7BC1F387-BB74-1E42-755F-CA75B5C7FD3B}"/>
+                  </a:ext>
+                </a:extLst>
+              </p14:cNvPr>
+              <p14:cNvContentPartPr/>
+              <p14:nvPr/>
+            </p14:nvContentPartPr>
+            <p14:xfrm>
+              <a:off x="6763143" y="-929406"/>
+              <a:ext cx="360" cy="360"/>
+            </p14:xfrm>
+          </p:contentPart>
+        </mc:Choice>
+        <mc:Fallback>
+          <p:pic>
+            <p:nvPicPr>
+              <p:cNvPr id="15" name="잉크 14">
+                <a:extLst>
+                  <a:ext uri="{FF2B5EF4-FFF2-40B4-BE49-F238E27FC236}">
+                    <a16:creationId xmlns:a16="http://schemas.microsoft.com/office/drawing/2014/main" id="{7BC1F387-BB74-1E42-755F-CA75B5C7FD3B}"/>
+                  </a:ext>
+                </a:extLst>
+              </p:cNvPr>
+              <p:cNvPicPr/>
+              <p:nvPr/>
+            </p:nvPicPr>
+            <p:blipFill>
+              <a:blip r:embed="rId7"/>
+              <a:stretch>
+                <a:fillRect/>
+              </a:stretch>
+            </p:blipFill>
+            <p:spPr>
+              <a:xfrm>
+                <a:off x="6673503" y="-1109046"/>
+                <a:ext cx="180000" cy="360000"/>
+              </a:xfrm>
+              <a:prstGeom prst="rect">
+                <a:avLst/>
+              </a:prstGeom>
+            </p:spPr>
+          </p:pic>
+        </mc:Fallback>
+      </mc:AlternateContent>
+      <mc:AlternateContent xmlns:mc="http://schemas.openxmlformats.org/markup-compatibility/2006">
+        <mc:Choice xmlns:p14="http://schemas.microsoft.com/office/powerpoint/2010/main" Requires="p14">
+          <p:contentPart p14:bwMode="auto" r:id="rId8">
+            <p14:nvContentPartPr>
+              <p14:cNvPr id="16" name="잉크 15">
+                <a:extLst>
+                  <a:ext uri="{FF2B5EF4-FFF2-40B4-BE49-F238E27FC236}">
+                    <a16:creationId xmlns:a16="http://schemas.microsoft.com/office/drawing/2014/main" id="{5E268AEC-788C-0F54-603B-39231C00B206}"/>
+                  </a:ext>
+                </a:extLst>
+              </p14:cNvPr>
+              <p14:cNvContentPartPr/>
+              <p14:nvPr/>
+            </p14:nvContentPartPr>
+            <p14:xfrm>
+              <a:off x="4673343" y="-929406"/>
+              <a:ext cx="360" cy="360"/>
+            </p14:xfrm>
+          </p:contentPart>
+        </mc:Choice>
+        <mc:Fallback>
+          <p:pic>
+            <p:nvPicPr>
+              <p:cNvPr id="16" name="잉크 15">
+                <a:extLst>
+                  <a:ext uri="{FF2B5EF4-FFF2-40B4-BE49-F238E27FC236}">
+                    <a16:creationId xmlns:a16="http://schemas.microsoft.com/office/drawing/2014/main" id="{5E268AEC-788C-0F54-603B-39231C00B206}"/>
+                  </a:ext>
+                </a:extLst>
+              </p:cNvPr>
+              <p:cNvPicPr/>
+              <p:nvPr/>
+            </p:nvPicPr>
+            <p:blipFill>
+              <a:blip r:embed="rId7"/>
+              <a:stretch>
+                <a:fillRect/>
+              </a:stretch>
+            </p:blipFill>
+            <p:spPr>
+              <a:xfrm>
+                <a:off x="4583343" y="-1109046"/>
+                <a:ext cx="180000" cy="360000"/>
+              </a:xfrm>
+              <a:prstGeom prst="rect">
+                <a:avLst/>
+              </a:prstGeom>
+            </p:spPr>
+          </p:pic>
+        </mc:Fallback>
+      </mc:AlternateContent>
+      <mc:AlternateContent xmlns:mc="http://schemas.openxmlformats.org/markup-compatibility/2006">
+        <mc:Choice xmlns:p14="http://schemas.microsoft.com/office/powerpoint/2010/main" Requires="p14">
+          <p:contentPart p14:bwMode="auto" r:id="rId9">
+            <p14:nvContentPartPr>
+              <p14:cNvPr id="33" name="잉크 32">
+                <a:extLst>
+                  <a:ext uri="{FF2B5EF4-FFF2-40B4-BE49-F238E27FC236}">
+                    <a16:creationId xmlns:a16="http://schemas.microsoft.com/office/drawing/2014/main" id="{7FA5BF3B-6629-58CF-EF39-CEEF058A9356}"/>
+                  </a:ext>
+                </a:extLst>
+              </p14:cNvPr>
+              <p14:cNvContentPartPr/>
+              <p14:nvPr/>
+            </p14:nvContentPartPr>
+            <p14:xfrm>
+              <a:off x="2394543" y="3242274"/>
+              <a:ext cx="1369800" cy="360"/>
+            </p14:xfrm>
+          </p:contentPart>
+        </mc:Choice>
+        <mc:Fallback>
+          <p:pic>
+            <p:nvPicPr>
+              <p:cNvPr id="33" name="잉크 32">
+                <a:extLst>
+                  <a:ext uri="{FF2B5EF4-FFF2-40B4-BE49-F238E27FC236}">
+                    <a16:creationId xmlns:a16="http://schemas.microsoft.com/office/drawing/2014/main" id="{7FA5BF3B-6629-58CF-EF39-CEEF058A9356}"/>
+                  </a:ext>
+                </a:extLst>
+              </p:cNvPr>
+              <p:cNvPicPr/>
+              <p:nvPr/>
+            </p:nvPicPr>
+            <p:blipFill>
+              <a:blip r:embed="rId10"/>
+              <a:stretch>
+                <a:fillRect/>
+              </a:stretch>
+            </p:blipFill>
+            <p:spPr>
+              <a:xfrm>
+                <a:off x="2304543" y="3062634"/>
+                <a:ext cx="1549440" cy="360000"/>
+              </a:xfrm>
+              <a:prstGeom prst="rect">
+                <a:avLst/>
+              </a:prstGeom>
+            </p:spPr>
+          </p:pic>
+        </mc:Fallback>
+      </mc:AlternateContent>
+      <mc:AlternateContent xmlns:mc="http://schemas.openxmlformats.org/markup-compatibility/2006">
+        <mc:Choice xmlns:p14="http://schemas.microsoft.com/office/powerpoint/2010/main" Requires="p14">
+          <p:contentPart p14:bwMode="auto" r:id="rId11">
+            <p14:nvContentPartPr>
+              <p14:cNvPr id="34" name="잉크 33">
+                <a:extLst>
+                  <a:ext uri="{FF2B5EF4-FFF2-40B4-BE49-F238E27FC236}">
+                    <a16:creationId xmlns:a16="http://schemas.microsoft.com/office/drawing/2014/main" id="{75BA1312-9CF4-17E2-85FF-16A938E65CE2}"/>
+                  </a:ext>
+                </a:extLst>
+              </p14:cNvPr>
+              <p14:cNvContentPartPr/>
+              <p14:nvPr/>
+            </p14:nvContentPartPr>
+            <p14:xfrm>
+              <a:off x="8446863" y="3242274"/>
+              <a:ext cx="515160" cy="360"/>
+            </p14:xfrm>
+          </p:contentPart>
+        </mc:Choice>
+        <mc:Fallback>
+          <p:pic>
+            <p:nvPicPr>
+              <p:cNvPr id="34" name="잉크 33">
+                <a:extLst>
+                  <a:ext uri="{FF2B5EF4-FFF2-40B4-BE49-F238E27FC236}">
+                    <a16:creationId xmlns:a16="http://schemas.microsoft.com/office/drawing/2014/main" id="{75BA1312-9CF4-17E2-85FF-16A938E65CE2}"/>
+                  </a:ext>
+                </a:extLst>
+              </p:cNvPr>
+              <p:cNvPicPr/>
+              <p:nvPr/>
+            </p:nvPicPr>
+            <p:blipFill>
+              <a:blip r:embed="rId12"/>
+              <a:stretch>
+                <a:fillRect/>
+              </a:stretch>
+            </p:blipFill>
+            <p:spPr>
+              <a:xfrm>
+                <a:off x="8357223" y="3062634"/>
+                <a:ext cx="694800" cy="360000"/>
+              </a:xfrm>
+              <a:prstGeom prst="rect">
+                <a:avLst/>
+              </a:prstGeom>
+            </p:spPr>
+          </p:pic>
+        </mc:Fallback>
+      </mc:AlternateContent>
+      <mc:AlternateContent xmlns:mc="http://schemas.openxmlformats.org/markup-compatibility/2006">
+        <mc:Choice xmlns:p14="http://schemas.microsoft.com/office/powerpoint/2010/main" Requires="p14">
+          <p:contentPart p14:bwMode="auto" r:id="rId13">
+            <p14:nvContentPartPr>
+              <p14:cNvPr id="35" name="잉크 34">
+                <a:extLst>
+                  <a:ext uri="{FF2B5EF4-FFF2-40B4-BE49-F238E27FC236}">
+                    <a16:creationId xmlns:a16="http://schemas.microsoft.com/office/drawing/2014/main" id="{79450AA8-215B-D5CF-E06B-7C436539A509}"/>
+                  </a:ext>
+                </a:extLst>
+              </p14:cNvPr>
+              <p14:cNvContentPartPr/>
+              <p14:nvPr/>
+            </p14:nvContentPartPr>
+            <p14:xfrm>
+              <a:off x="2945703" y="6058194"/>
+              <a:ext cx="386640" cy="360"/>
+            </p14:xfrm>
+          </p:contentPart>
+        </mc:Choice>
+        <mc:Fallback>
+          <p:pic>
+            <p:nvPicPr>
+              <p:cNvPr id="35" name="잉크 34">
+                <a:extLst>
+                  <a:ext uri="{FF2B5EF4-FFF2-40B4-BE49-F238E27FC236}">
+                    <a16:creationId xmlns:a16="http://schemas.microsoft.com/office/drawing/2014/main" id="{79450AA8-215B-D5CF-E06B-7C436539A509}"/>
+                  </a:ext>
+                </a:extLst>
+              </p:cNvPr>
+              <p:cNvPicPr/>
+              <p:nvPr/>
+            </p:nvPicPr>
+            <p:blipFill>
+              <a:blip r:embed="rId14"/>
+              <a:stretch>
+                <a:fillRect/>
+              </a:stretch>
+            </p:blipFill>
+            <p:spPr>
+              <a:xfrm>
+                <a:off x="2856063" y="5878194"/>
+                <a:ext cx="566280" cy="360000"/>
+              </a:xfrm>
+              <a:prstGeom prst="rect">
+                <a:avLst/>
+              </a:prstGeom>
+            </p:spPr>
+          </p:pic>
+        </mc:Fallback>
+      </mc:AlternateContent>
+      <mc:AlternateContent xmlns:mc="http://schemas.openxmlformats.org/markup-compatibility/2006">
+        <mc:Choice xmlns:p14="http://schemas.microsoft.com/office/powerpoint/2010/main" Requires="p14">
+          <p:contentPart p14:bwMode="auto" r:id="rId15">
+            <p14:nvContentPartPr>
+              <p14:cNvPr id="36" name="잉크 35">
+                <a:extLst>
+                  <a:ext uri="{FF2B5EF4-FFF2-40B4-BE49-F238E27FC236}">
+                    <a16:creationId xmlns:a16="http://schemas.microsoft.com/office/drawing/2014/main" id="{2630E937-A852-553C-FC65-9C8ABCA06A07}"/>
+                  </a:ext>
+                </a:extLst>
+              </p14:cNvPr>
+              <p14:cNvContentPartPr/>
+              <p14:nvPr/>
+            </p14:nvContentPartPr>
+            <p14:xfrm>
+              <a:off x="8476023" y="5898354"/>
+              <a:ext cx="395640" cy="360"/>
+            </p14:xfrm>
+          </p:contentPart>
+        </mc:Choice>
+        <mc:Fallback>
+          <p:pic>
+            <p:nvPicPr>
+              <p:cNvPr id="36" name="잉크 35">
+                <a:extLst>
+                  <a:ext uri="{FF2B5EF4-FFF2-40B4-BE49-F238E27FC236}">
+                    <a16:creationId xmlns:a16="http://schemas.microsoft.com/office/drawing/2014/main" id="{2630E937-A852-553C-FC65-9C8ABCA06A07}"/>
+                  </a:ext>
+                </a:extLst>
+              </p:cNvPr>
+              <p:cNvPicPr/>
+              <p:nvPr/>
+            </p:nvPicPr>
+            <p:blipFill>
+              <a:blip r:embed="rId16"/>
+              <a:stretch>
+                <a:fillRect/>
+              </a:stretch>
+            </p:blipFill>
+            <p:spPr>
+              <a:xfrm>
+                <a:off x="8386023" y="5718714"/>
+                <a:ext cx="575280" cy="360000"/>
+              </a:xfrm>
+              <a:prstGeom prst="rect">
+                <a:avLst/>
+              </a:prstGeom>
+            </p:spPr>
+          </p:pic>
+        </mc:Fallback>
+      </mc:AlternateContent>
     </p:spTree>
     <p:extLst>
       <p:ext uri="{BB962C8B-B14F-4D97-AF65-F5344CB8AC3E}">
@@ -4319,7 +6430,102 @@
 </p:sld>
 </file>
 
-<file path=ppt/slides/slide3.xml><?xml version="1.0" encoding="utf-8"?>
+<file path=ppt/slides/slide5.xml><?xml version="1.0" encoding="utf-8"?>
+<p:sld xmlns:a="http://schemas.openxmlformats.org/drawingml/2006/main" xmlns:r="http://schemas.openxmlformats.org/officeDocument/2006/relationships" xmlns:p="http://schemas.openxmlformats.org/presentationml/2006/main">
+  <p:cSld>
+    <p:spTree>
+      <p:nvGrpSpPr>
+        <p:cNvPr id="1" name=""/>
+        <p:cNvGrpSpPr/>
+        <p:nvPr/>
+      </p:nvGrpSpPr>
+      <p:grpSpPr>
+        <a:xfrm>
+          <a:off x="0" y="0"/>
+          <a:ext cx="0" cy="0"/>
+          <a:chOff x="0" y="0"/>
+          <a:chExt cx="0" cy="0"/>
+        </a:xfrm>
+      </p:grpSpPr>
+      <p:sp>
+        <p:nvSpPr>
+          <p:cNvPr id="2" name="TextBox 1">
+            <a:extLst>
+              <a:ext uri="{FF2B5EF4-FFF2-40B4-BE49-F238E27FC236}">
+                <a16:creationId xmlns:a16="http://schemas.microsoft.com/office/drawing/2014/main" id="{6D5E47BA-144B-6E25-E282-8F211ABD5221}"/>
+              </a:ext>
+            </a:extLst>
+          </p:cNvPr>
+          <p:cNvSpPr txBox="1"/>
+          <p:nvPr/>
+        </p:nvSpPr>
+        <p:spPr>
+          <a:xfrm>
+            <a:off x="1139371" y="2610838"/>
+            <a:ext cx="9913258" cy="830997"/>
+          </a:xfrm>
+          <a:prstGeom prst="rect">
+            <a:avLst/>
+          </a:prstGeom>
+          <a:noFill/>
+        </p:spPr>
+        <p:txBody>
+          <a:bodyPr wrap="square" rtlCol="0">
+            <a:spAutoFit/>
+          </a:bodyPr>
+          <a:lstStyle/>
+          <a:p>
+            <a:pPr algn="ctr"/>
+            <a:r>
+              <a:rPr lang="en-US" altLang="ko-KR" sz="4800" b="1" dirty="0">
+                <a:solidFill>
+                  <a:schemeClr val="accent1"/>
+                </a:solidFill>
+                <a:latin typeface="+mn-ea"/>
+              </a:rPr>
+              <a:t>&lt; </a:t>
+            </a:r>
+            <a:r>
+              <a:rPr lang="ko-KR" altLang="en-US" sz="4800" b="1" dirty="0">
+                <a:solidFill>
+                  <a:schemeClr val="accent1"/>
+                </a:solidFill>
+                <a:latin typeface="+mn-ea"/>
+              </a:rPr>
+              <a:t>기본 구조 </a:t>
+            </a:r>
+            <a:r>
+              <a:rPr lang="en-US" altLang="ko-KR" sz="4800" b="1" dirty="0">
+                <a:solidFill>
+                  <a:schemeClr val="accent1"/>
+                </a:solidFill>
+                <a:latin typeface="+mn-ea"/>
+              </a:rPr>
+              <a:t>&gt;</a:t>
+            </a:r>
+            <a:endParaRPr lang="ko-KR" altLang="en-US" sz="4800" b="1" dirty="0">
+              <a:solidFill>
+                <a:schemeClr val="accent1"/>
+              </a:solidFill>
+              <a:latin typeface="+mn-ea"/>
+            </a:endParaRPr>
+          </a:p>
+        </p:txBody>
+      </p:sp>
+    </p:spTree>
+    <p:extLst>
+      <p:ext uri="{BB962C8B-B14F-4D97-AF65-F5344CB8AC3E}">
+        <p14:creationId xmlns:p14="http://schemas.microsoft.com/office/powerpoint/2010/main" val="1195894461"/>
+      </p:ext>
+    </p:extLst>
+  </p:cSld>
+  <p:clrMapOvr>
+    <a:masterClrMapping/>
+  </p:clrMapOvr>
+</p:sld>
+</file>
+
+<file path=ppt/slides/slide6.xml><?xml version="1.0" encoding="utf-8"?>
 <p:sld xmlns:a="http://schemas.openxmlformats.org/drawingml/2006/main" xmlns:r="http://schemas.openxmlformats.org/officeDocument/2006/relationships" xmlns:p="http://schemas.openxmlformats.org/presentationml/2006/main">
   <p:cSld>
     <p:spTree>
@@ -4396,8 +6602,8 @@
           </a:prstGeom>
         </p:spPr>
       </p:pic>
-      <mc:AlternateContent xmlns:mc="http://schemas.openxmlformats.org/markup-compatibility/2006">
-        <mc:Choice xmlns:p14="http://schemas.microsoft.com/office/powerpoint/2010/main" Requires="p14">
+      <mc:AlternateContent xmlns:mc="http://schemas.openxmlformats.org/markup-compatibility/2006" xmlns:p14="http://schemas.microsoft.com/office/powerpoint/2010/main">
+        <mc:Choice Requires="p14">
           <p:contentPart p14:bwMode="auto" r:id="rId4">
             <p14:nvContentPartPr>
               <p14:cNvPr id="10" name="잉크 9">
@@ -4416,7 +6622,7 @@
             </p14:xfrm>
           </p:contentPart>
         </mc:Choice>
-        <mc:Fallback>
+        <mc:Fallback xmlns="">
           <p:pic>
             <p:nvPicPr>
               <p:cNvPr id="10" name="잉크 9">
@@ -4447,8 +6653,8 @@
           </p:pic>
         </mc:Fallback>
       </mc:AlternateContent>
-      <mc:AlternateContent xmlns:mc="http://schemas.openxmlformats.org/markup-compatibility/2006">
-        <mc:Choice xmlns:p14="http://schemas.microsoft.com/office/powerpoint/2010/main" Requires="p14">
+      <mc:AlternateContent xmlns:mc="http://schemas.openxmlformats.org/markup-compatibility/2006" xmlns:p14="http://schemas.microsoft.com/office/powerpoint/2010/main">
+        <mc:Choice Requires="p14">
           <p:contentPart p14:bwMode="auto" r:id="rId6">
             <p14:nvContentPartPr>
               <p14:cNvPr id="11" name="잉크 10">
@@ -4467,7 +6673,7 @@
             </p14:xfrm>
           </p:contentPart>
         </mc:Choice>
-        <mc:Fallback>
+        <mc:Fallback xmlns="">
           <p:pic>
             <p:nvPicPr>
               <p:cNvPr id="11" name="잉크 10">
@@ -4498,8 +6704,8 @@
           </p:pic>
         </mc:Fallback>
       </mc:AlternateContent>
-      <mc:AlternateContent xmlns:mc="http://schemas.openxmlformats.org/markup-compatibility/2006">
-        <mc:Choice xmlns:p14="http://schemas.microsoft.com/office/powerpoint/2010/main" Requires="p14">
+      <mc:AlternateContent xmlns:mc="http://schemas.openxmlformats.org/markup-compatibility/2006" xmlns:p14="http://schemas.microsoft.com/office/powerpoint/2010/main">
+        <mc:Choice Requires="p14">
           <p:contentPart p14:bwMode="auto" r:id="rId8">
             <p14:nvContentPartPr>
               <p14:cNvPr id="12" name="잉크 11">
@@ -4518,7 +6724,7 @@
             </p14:xfrm>
           </p:contentPart>
         </mc:Choice>
-        <mc:Fallback>
+        <mc:Fallback xmlns="">
           <p:pic>
             <p:nvPicPr>
               <p:cNvPr id="12" name="잉크 11">
@@ -4549,8 +6755,8 @@
           </p:pic>
         </mc:Fallback>
       </mc:AlternateContent>
-      <mc:AlternateContent xmlns:mc="http://schemas.openxmlformats.org/markup-compatibility/2006">
-        <mc:Choice xmlns:p14="http://schemas.microsoft.com/office/powerpoint/2010/main" Requires="p14">
+      <mc:AlternateContent xmlns:mc="http://schemas.openxmlformats.org/markup-compatibility/2006" xmlns:p14="http://schemas.microsoft.com/office/powerpoint/2010/main">
+        <mc:Choice Requires="p14">
           <p:contentPart p14:bwMode="auto" r:id="rId10">
             <p14:nvContentPartPr>
               <p14:cNvPr id="13" name="잉크 12">
@@ -4569,7 +6775,7 @@
             </p14:xfrm>
           </p:contentPart>
         </mc:Choice>
-        <mc:Fallback>
+        <mc:Fallback xmlns="">
           <p:pic>
             <p:nvPicPr>
               <p:cNvPr id="13" name="잉크 12">
@@ -4630,6 +6836,57 @@
           </a:prstGeom>
         </p:spPr>
       </p:pic>
+      <mc:AlternateContent xmlns:mc="http://schemas.openxmlformats.org/markup-compatibility/2006">
+        <mc:Choice xmlns:p14="http://schemas.microsoft.com/office/powerpoint/2010/main" Requires="p14">
+          <p:contentPart p14:bwMode="auto" r:id="rId13">
+            <p14:nvContentPartPr>
+              <p14:cNvPr id="3" name="잉크 2">
+                <a:extLst>
+                  <a:ext uri="{FF2B5EF4-FFF2-40B4-BE49-F238E27FC236}">
+                    <a16:creationId xmlns:a16="http://schemas.microsoft.com/office/drawing/2014/main" id="{6D88F4E6-F879-A140-5B16-A53FF7E84681}"/>
+                  </a:ext>
+                </a:extLst>
+              </p14:cNvPr>
+              <p14:cNvContentPartPr/>
+              <p14:nvPr/>
+            </p14:nvContentPartPr>
+            <p14:xfrm>
+              <a:off x="1146063" y="4998354"/>
+              <a:ext cx="6037200" cy="360"/>
+            </p14:xfrm>
+          </p:contentPart>
+        </mc:Choice>
+        <mc:Fallback>
+          <p:pic>
+            <p:nvPicPr>
+              <p:cNvPr id="3" name="잉크 2">
+                <a:extLst>
+                  <a:ext uri="{FF2B5EF4-FFF2-40B4-BE49-F238E27FC236}">
+                    <a16:creationId xmlns:a16="http://schemas.microsoft.com/office/drawing/2014/main" id="{6D88F4E6-F879-A140-5B16-A53FF7E84681}"/>
+                  </a:ext>
+                </a:extLst>
+              </p:cNvPr>
+              <p:cNvPicPr/>
+              <p:nvPr/>
+            </p:nvPicPr>
+            <p:blipFill>
+              <a:blip r:embed="rId14"/>
+              <a:stretch>
+                <a:fillRect/>
+              </a:stretch>
+            </p:blipFill>
+            <p:spPr>
+              <a:xfrm>
+                <a:off x="1056063" y="4818714"/>
+                <a:ext cx="6216840" cy="360000"/>
+              </a:xfrm>
+              <a:prstGeom prst="rect">
+                <a:avLst/>
+              </a:prstGeom>
+            </p:spPr>
+          </p:pic>
+        </mc:Fallback>
+      </mc:AlternateContent>
     </p:spTree>
     <p:extLst>
       <p:ext uri="{BB962C8B-B14F-4D97-AF65-F5344CB8AC3E}">
@@ -4643,7 +6900,7 @@
 </p:sld>
 </file>
 
-<file path=ppt/slides/slide4.xml><?xml version="1.0" encoding="utf-8"?>
+<file path=ppt/slides/slide7.xml><?xml version="1.0" encoding="utf-8"?>
 <p:sld xmlns:a="http://schemas.openxmlformats.org/drawingml/2006/main" xmlns:r="http://schemas.openxmlformats.org/officeDocument/2006/relationships" xmlns:p="http://schemas.openxmlformats.org/presentationml/2006/main">
   <p:cSld>
     <p:spTree>
@@ -4690,6 +6947,57 @@
           </a:prstGeom>
         </p:spPr>
       </p:pic>
+      <mc:AlternateContent xmlns:mc="http://schemas.openxmlformats.org/markup-compatibility/2006">
+        <mc:Choice xmlns:p14="http://schemas.microsoft.com/office/powerpoint/2010/main" Requires="p14">
+          <p:contentPart p14:bwMode="auto" r:id="rId3">
+            <p14:nvContentPartPr>
+              <p14:cNvPr id="5" name="잉크 4">
+                <a:extLst>
+                  <a:ext uri="{FF2B5EF4-FFF2-40B4-BE49-F238E27FC236}">
+                    <a16:creationId xmlns:a16="http://schemas.microsoft.com/office/drawing/2014/main" id="{49FE5935-04F6-E393-5B0D-871318732B0E}"/>
+                  </a:ext>
+                </a:extLst>
+              </p14:cNvPr>
+              <p14:cNvContentPartPr/>
+              <p14:nvPr/>
+            </p14:nvContentPartPr>
+            <p14:xfrm>
+              <a:off x="1596423" y="760434"/>
+              <a:ext cx="9169920" cy="360"/>
+            </p14:xfrm>
+          </p:contentPart>
+        </mc:Choice>
+        <mc:Fallback>
+          <p:pic>
+            <p:nvPicPr>
+              <p:cNvPr id="5" name="잉크 4">
+                <a:extLst>
+                  <a:ext uri="{FF2B5EF4-FFF2-40B4-BE49-F238E27FC236}">
+                    <a16:creationId xmlns:a16="http://schemas.microsoft.com/office/drawing/2014/main" id="{49FE5935-04F6-E393-5B0D-871318732B0E}"/>
+                  </a:ext>
+                </a:extLst>
+              </p:cNvPr>
+              <p:cNvPicPr/>
+              <p:nvPr/>
+            </p:nvPicPr>
+            <p:blipFill>
+              <a:blip r:embed="rId4"/>
+              <a:stretch>
+                <a:fillRect/>
+              </a:stretch>
+            </p:blipFill>
+            <p:spPr>
+              <a:xfrm>
+                <a:off x="1506423" y="580434"/>
+                <a:ext cx="9349560" cy="360000"/>
+              </a:xfrm>
+              <a:prstGeom prst="rect">
+                <a:avLst/>
+              </a:prstGeom>
+            </p:spPr>
+          </p:pic>
+        </mc:Fallback>
+      </mc:AlternateContent>
     </p:spTree>
     <p:extLst>
       <p:ext uri="{BB962C8B-B14F-4D97-AF65-F5344CB8AC3E}">
@@ -4703,7 +7011,7 @@
 </p:sld>
 </file>
 
-<file path=ppt/slides/slide5.xml><?xml version="1.0" encoding="utf-8"?>
+<file path=ppt/slides/slide8.xml><?xml version="1.0" encoding="utf-8"?>
 <p:sld xmlns:a="http://schemas.openxmlformats.org/drawingml/2006/main" xmlns:r="http://schemas.openxmlformats.org/officeDocument/2006/relationships" xmlns:p="http://schemas.openxmlformats.org/presentationml/2006/main">
   <p:cSld>
     <p:spTree>
@@ -4780,6 +7088,108 @@
           </a:prstGeom>
         </p:spPr>
       </p:pic>
+      <mc:AlternateContent xmlns:mc="http://schemas.openxmlformats.org/markup-compatibility/2006">
+        <mc:Choice xmlns:p14="http://schemas.microsoft.com/office/powerpoint/2010/main" Requires="p14">
+          <p:contentPart p14:bwMode="auto" r:id="rId4">
+            <p14:nvContentPartPr>
+              <p14:cNvPr id="2" name="잉크 1">
+                <a:extLst>
+                  <a:ext uri="{FF2B5EF4-FFF2-40B4-BE49-F238E27FC236}">
+                    <a16:creationId xmlns:a16="http://schemas.microsoft.com/office/drawing/2014/main" id="{472821B4-F938-5755-675D-DD33E01A441C}"/>
+                  </a:ext>
+                </a:extLst>
+              </p14:cNvPr>
+              <p14:cNvContentPartPr/>
+              <p14:nvPr/>
+            </p14:nvContentPartPr>
+            <p14:xfrm>
+              <a:off x="1349463" y="1007034"/>
+              <a:ext cx="8186040" cy="360"/>
+            </p14:xfrm>
+          </p:contentPart>
+        </mc:Choice>
+        <mc:Fallback>
+          <p:pic>
+            <p:nvPicPr>
+              <p:cNvPr id="2" name="잉크 1">
+                <a:extLst>
+                  <a:ext uri="{FF2B5EF4-FFF2-40B4-BE49-F238E27FC236}">
+                    <a16:creationId xmlns:a16="http://schemas.microsoft.com/office/drawing/2014/main" id="{472821B4-F938-5755-675D-DD33E01A441C}"/>
+                  </a:ext>
+                </a:extLst>
+              </p:cNvPr>
+              <p:cNvPicPr/>
+              <p:nvPr/>
+            </p:nvPicPr>
+            <p:blipFill>
+              <a:blip r:embed="rId5"/>
+              <a:stretch>
+                <a:fillRect/>
+              </a:stretch>
+            </p:blipFill>
+            <p:spPr>
+              <a:xfrm>
+                <a:off x="1259823" y="827394"/>
+                <a:ext cx="8365680" cy="360000"/>
+              </a:xfrm>
+              <a:prstGeom prst="rect">
+                <a:avLst/>
+              </a:prstGeom>
+            </p:spPr>
+          </p:pic>
+        </mc:Fallback>
+      </mc:AlternateContent>
+      <mc:AlternateContent xmlns:mc="http://schemas.openxmlformats.org/markup-compatibility/2006">
+        <mc:Choice xmlns:p14="http://schemas.microsoft.com/office/powerpoint/2010/main" Requires="p14">
+          <p:contentPart p14:bwMode="auto" r:id="rId6">
+            <p14:nvContentPartPr>
+              <p14:cNvPr id="4" name="잉크 3">
+                <a:extLst>
+                  <a:ext uri="{FF2B5EF4-FFF2-40B4-BE49-F238E27FC236}">
+                    <a16:creationId xmlns:a16="http://schemas.microsoft.com/office/drawing/2014/main" id="{CF342C28-0CBB-E1A5-2524-6A9FD300BCAB}"/>
+                  </a:ext>
+                </a:extLst>
+              </p14:cNvPr>
+              <p14:cNvContentPartPr/>
+              <p14:nvPr/>
+            </p14:nvContentPartPr>
+            <p14:xfrm>
+              <a:off x="1494183" y="2008554"/>
+              <a:ext cx="8287920" cy="360"/>
+            </p14:xfrm>
+          </p:contentPart>
+        </mc:Choice>
+        <mc:Fallback>
+          <p:pic>
+            <p:nvPicPr>
+              <p:cNvPr id="4" name="잉크 3">
+                <a:extLst>
+                  <a:ext uri="{FF2B5EF4-FFF2-40B4-BE49-F238E27FC236}">
+                    <a16:creationId xmlns:a16="http://schemas.microsoft.com/office/drawing/2014/main" id="{CF342C28-0CBB-E1A5-2524-6A9FD300BCAB}"/>
+                  </a:ext>
+                </a:extLst>
+              </p:cNvPr>
+              <p:cNvPicPr/>
+              <p:nvPr/>
+            </p:nvPicPr>
+            <p:blipFill>
+              <a:blip r:embed="rId7"/>
+              <a:stretch>
+                <a:fillRect/>
+              </a:stretch>
+            </p:blipFill>
+            <p:spPr>
+              <a:xfrm>
+                <a:off x="1404543" y="1828914"/>
+                <a:ext cx="8467560" cy="360000"/>
+              </a:xfrm>
+              <a:prstGeom prst="rect">
+                <a:avLst/>
+              </a:prstGeom>
+            </p:spPr>
+          </p:pic>
+        </mc:Fallback>
+      </mc:AlternateContent>
     </p:spTree>
     <p:extLst>
       <p:ext uri="{BB962C8B-B14F-4D97-AF65-F5344CB8AC3E}">
@@ -4793,7 +7203,7 @@
 </p:sld>
 </file>
 
-<file path=ppt/slides/slide6.xml><?xml version="1.0" encoding="utf-8"?>
+<file path=ppt/slides/slide9.xml><?xml version="1.0" encoding="utf-8"?>
 <p:sld xmlns:a="http://schemas.openxmlformats.org/drawingml/2006/main" xmlns:r="http://schemas.openxmlformats.org/officeDocument/2006/relationships" xmlns:p="http://schemas.openxmlformats.org/presentationml/2006/main">
   <p:cSld>
     <p:spTree>
@@ -4840,250 +7250,61 @@
           </a:prstGeom>
         </p:spPr>
       </p:pic>
+      <mc:AlternateContent xmlns:mc="http://schemas.openxmlformats.org/markup-compatibility/2006">
+        <mc:Choice xmlns:p14="http://schemas.microsoft.com/office/powerpoint/2010/main" Requires="p14">
+          <p:contentPart p14:bwMode="auto" r:id="rId3">
+            <p14:nvContentPartPr>
+              <p14:cNvPr id="2" name="잉크 1">
+                <a:extLst>
+                  <a:ext uri="{FF2B5EF4-FFF2-40B4-BE49-F238E27FC236}">
+                    <a16:creationId xmlns:a16="http://schemas.microsoft.com/office/drawing/2014/main" id="{3ACB7D4C-37E7-A418-8FB5-7538D82A795D}"/>
+                  </a:ext>
+                </a:extLst>
+              </p14:cNvPr>
+              <p14:cNvContentPartPr/>
+              <p14:nvPr/>
+            </p14:nvContentPartPr>
+            <p14:xfrm>
+              <a:off x="769143" y="861954"/>
+              <a:ext cx="9809640" cy="360"/>
+            </p14:xfrm>
+          </p:contentPart>
+        </mc:Choice>
+        <mc:Fallback>
+          <p:pic>
+            <p:nvPicPr>
+              <p:cNvPr id="2" name="잉크 1">
+                <a:extLst>
+                  <a:ext uri="{FF2B5EF4-FFF2-40B4-BE49-F238E27FC236}">
+                    <a16:creationId xmlns:a16="http://schemas.microsoft.com/office/drawing/2014/main" id="{3ACB7D4C-37E7-A418-8FB5-7538D82A795D}"/>
+                  </a:ext>
+                </a:extLst>
+              </p:cNvPr>
+              <p:cNvPicPr/>
+              <p:nvPr/>
+            </p:nvPicPr>
+            <p:blipFill>
+              <a:blip r:embed="rId4"/>
+              <a:stretch>
+                <a:fillRect/>
+              </a:stretch>
+            </p:blipFill>
+            <p:spPr>
+              <a:xfrm>
+                <a:off x="679143" y="681954"/>
+                <a:ext cx="9989280" cy="360000"/>
+              </a:xfrm>
+              <a:prstGeom prst="rect">
+                <a:avLst/>
+              </a:prstGeom>
+            </p:spPr>
+          </p:pic>
+        </mc:Fallback>
+      </mc:AlternateContent>
     </p:spTree>
     <p:extLst>
       <p:ext uri="{BB962C8B-B14F-4D97-AF65-F5344CB8AC3E}">
         <p14:creationId xmlns:p14="http://schemas.microsoft.com/office/powerpoint/2010/main" val="2295524857"/>
-      </p:ext>
-    </p:extLst>
-  </p:cSld>
-  <p:clrMapOvr>
-    <a:masterClrMapping/>
-  </p:clrMapOvr>
-</p:sld>
-</file>
-
-<file path=ppt/slides/slide7.xml><?xml version="1.0" encoding="utf-8"?>
-<p:sld xmlns:a="http://schemas.openxmlformats.org/drawingml/2006/main" xmlns:r="http://schemas.openxmlformats.org/officeDocument/2006/relationships" xmlns:p="http://schemas.openxmlformats.org/presentationml/2006/main">
-  <p:cSld>
-    <p:spTree>
-      <p:nvGrpSpPr>
-        <p:cNvPr id="1" name=""/>
-        <p:cNvGrpSpPr/>
-        <p:nvPr/>
-      </p:nvGrpSpPr>
-      <p:grpSpPr>
-        <a:xfrm>
-          <a:off x="0" y="0"/>
-          <a:ext cx="0" cy="0"/>
-          <a:chOff x="0" y="0"/>
-          <a:chExt cx="0" cy="0"/>
-        </a:xfrm>
-      </p:grpSpPr>
-      <p:pic>
-        <p:nvPicPr>
-          <p:cNvPr id="5" name="그림 4">
-            <a:extLst>
-              <a:ext uri="{FF2B5EF4-FFF2-40B4-BE49-F238E27FC236}">
-                <a16:creationId xmlns:a16="http://schemas.microsoft.com/office/drawing/2014/main" id="{596439D2-BE64-EAA2-2281-21EC4FF80A45}"/>
-              </a:ext>
-            </a:extLst>
-          </p:cNvPr>
-          <p:cNvPicPr>
-            <a:picLocks noChangeAspect="1"/>
-          </p:cNvPicPr>
-          <p:nvPr/>
-        </p:nvPicPr>
-        <p:blipFill>
-          <a:blip r:embed="rId2"/>
-          <a:stretch>
-            <a:fillRect/>
-          </a:stretch>
-        </p:blipFill>
-        <p:spPr>
-          <a:xfrm>
-            <a:off x="485571" y="423729"/>
-            <a:ext cx="11220857" cy="3648613"/>
-          </a:xfrm>
-          <a:prstGeom prst="rect">
-            <a:avLst/>
-          </a:prstGeom>
-        </p:spPr>
-      </p:pic>
-    </p:spTree>
-    <p:extLst>
-      <p:ext uri="{BB962C8B-B14F-4D97-AF65-F5344CB8AC3E}">
-        <p14:creationId xmlns:p14="http://schemas.microsoft.com/office/powerpoint/2010/main" val="1191991719"/>
-      </p:ext>
-    </p:extLst>
-  </p:cSld>
-  <p:clrMapOvr>
-    <a:masterClrMapping/>
-  </p:clrMapOvr>
-</p:sld>
-</file>
-
-<file path=ppt/slides/slide8.xml><?xml version="1.0" encoding="utf-8"?>
-<p:sld xmlns:a="http://schemas.openxmlformats.org/drawingml/2006/main" xmlns:r="http://schemas.openxmlformats.org/officeDocument/2006/relationships" xmlns:p="http://schemas.openxmlformats.org/presentationml/2006/main">
-  <p:cSld>
-    <p:spTree>
-      <p:nvGrpSpPr>
-        <p:cNvPr id="1" name=""/>
-        <p:cNvGrpSpPr/>
-        <p:nvPr/>
-      </p:nvGrpSpPr>
-      <p:grpSpPr>
-        <a:xfrm>
-          <a:off x="0" y="0"/>
-          <a:ext cx="0" cy="0"/>
-          <a:chOff x="0" y="0"/>
-          <a:chExt cx="0" cy="0"/>
-        </a:xfrm>
-      </p:grpSpPr>
-      <p:pic>
-        <p:nvPicPr>
-          <p:cNvPr id="3" name="그림 2">
-            <a:extLst>
-              <a:ext uri="{FF2B5EF4-FFF2-40B4-BE49-F238E27FC236}">
-                <a16:creationId xmlns:a16="http://schemas.microsoft.com/office/drawing/2014/main" id="{D151F5C6-5EEF-0F0F-3744-A58AE8D5E5FE}"/>
-              </a:ext>
-            </a:extLst>
-          </p:cNvPr>
-          <p:cNvPicPr>
-            <a:picLocks noChangeAspect="1"/>
-          </p:cNvPicPr>
-          <p:nvPr/>
-        </p:nvPicPr>
-        <p:blipFill>
-          <a:blip r:embed="rId2"/>
-          <a:stretch>
-            <a:fillRect/>
-          </a:stretch>
-        </p:blipFill>
-        <p:spPr>
-          <a:xfrm>
-            <a:off x="347166" y="428443"/>
-            <a:ext cx="11387634" cy="4176990"/>
-          </a:xfrm>
-          <a:prstGeom prst="rect">
-            <a:avLst/>
-          </a:prstGeom>
-        </p:spPr>
-      </p:pic>
-      <p:pic>
-        <p:nvPicPr>
-          <p:cNvPr id="5" name="그림 4">
-            <a:extLst>
-              <a:ext uri="{FF2B5EF4-FFF2-40B4-BE49-F238E27FC236}">
-                <a16:creationId xmlns:a16="http://schemas.microsoft.com/office/drawing/2014/main" id="{BC338E86-8203-CE92-2F15-4F6E53FAF64C}"/>
-              </a:ext>
-            </a:extLst>
-          </p:cNvPr>
-          <p:cNvPicPr>
-            <a:picLocks noChangeAspect="1"/>
-          </p:cNvPicPr>
-          <p:nvPr/>
-        </p:nvPicPr>
-        <p:blipFill>
-          <a:blip r:embed="rId3"/>
-          <a:stretch>
-            <a:fillRect/>
-          </a:stretch>
-        </p:blipFill>
-        <p:spPr>
-          <a:xfrm>
-            <a:off x="347166" y="4682861"/>
-            <a:ext cx="7501434" cy="1746696"/>
-          </a:xfrm>
-          <a:prstGeom prst="rect">
-            <a:avLst/>
-          </a:prstGeom>
-        </p:spPr>
-      </p:pic>
-    </p:spTree>
-    <p:extLst>
-      <p:ext uri="{BB962C8B-B14F-4D97-AF65-F5344CB8AC3E}">
-        <p14:creationId xmlns:p14="http://schemas.microsoft.com/office/powerpoint/2010/main" val="4008503928"/>
-      </p:ext>
-    </p:extLst>
-  </p:cSld>
-  <p:clrMapOvr>
-    <a:masterClrMapping/>
-  </p:clrMapOvr>
-</p:sld>
-</file>
-
-<file path=ppt/slides/slide9.xml><?xml version="1.0" encoding="utf-8"?>
-<p:sld xmlns:a="http://schemas.openxmlformats.org/drawingml/2006/main" xmlns:r="http://schemas.openxmlformats.org/officeDocument/2006/relationships" xmlns:p="http://schemas.openxmlformats.org/presentationml/2006/main">
-  <p:cSld>
-    <p:spTree>
-      <p:nvGrpSpPr>
-        <p:cNvPr id="1" name=""/>
-        <p:cNvGrpSpPr/>
-        <p:nvPr/>
-      </p:nvGrpSpPr>
-      <p:grpSpPr>
-        <a:xfrm>
-          <a:off x="0" y="0"/>
-          <a:ext cx="0" cy="0"/>
-          <a:chOff x="0" y="0"/>
-          <a:chExt cx="0" cy="0"/>
-        </a:xfrm>
-      </p:grpSpPr>
-      <p:pic>
-        <p:nvPicPr>
-          <p:cNvPr id="3" name="그림 2">
-            <a:extLst>
-              <a:ext uri="{FF2B5EF4-FFF2-40B4-BE49-F238E27FC236}">
-                <a16:creationId xmlns:a16="http://schemas.microsoft.com/office/drawing/2014/main" id="{3F1E9CDF-213D-335D-260D-066915D5789E}"/>
-              </a:ext>
-            </a:extLst>
-          </p:cNvPr>
-          <p:cNvPicPr>
-            <a:picLocks noChangeAspect="1"/>
-          </p:cNvPicPr>
-          <p:nvPr/>
-        </p:nvPicPr>
-        <p:blipFill>
-          <a:blip r:embed="rId2"/>
-          <a:stretch>
-            <a:fillRect/>
-          </a:stretch>
-        </p:blipFill>
-        <p:spPr>
-          <a:xfrm>
-            <a:off x="493348" y="914400"/>
-            <a:ext cx="11205303" cy="1409700"/>
-          </a:xfrm>
-          <a:prstGeom prst="rect">
-            <a:avLst/>
-          </a:prstGeom>
-        </p:spPr>
-      </p:pic>
-      <p:pic>
-        <p:nvPicPr>
-          <p:cNvPr id="7" name="그림 6">
-            <a:extLst>
-              <a:ext uri="{FF2B5EF4-FFF2-40B4-BE49-F238E27FC236}">
-                <a16:creationId xmlns:a16="http://schemas.microsoft.com/office/drawing/2014/main" id="{AFB4DA75-4B87-0E40-6E49-736C42D244D7}"/>
-              </a:ext>
-            </a:extLst>
-          </p:cNvPr>
-          <p:cNvPicPr>
-            <a:picLocks noChangeAspect="1"/>
-          </p:cNvPicPr>
-          <p:nvPr/>
-        </p:nvPicPr>
-        <p:blipFill>
-          <a:blip r:embed="rId3"/>
-          <a:stretch>
-            <a:fillRect/>
-          </a:stretch>
-        </p:blipFill>
-        <p:spPr>
-          <a:xfrm>
-            <a:off x="493348" y="3143162"/>
-            <a:ext cx="11398734" cy="2095588"/>
-          </a:xfrm>
-          <a:prstGeom prst="rect">
-            <a:avLst/>
-          </a:prstGeom>
-        </p:spPr>
-      </p:pic>
-    </p:spTree>
-    <p:extLst>
-      <p:ext uri="{BB962C8B-B14F-4D97-AF65-F5344CB8AC3E}">
-        <p14:creationId xmlns:p14="http://schemas.microsoft.com/office/powerpoint/2010/main" val="1581910465"/>
       </p:ext>
     </p:extLst>
   </p:cSld>

--- a/Python과제/Python_2강.pptx
+++ b/Python과제/Python_2강.pptx
@@ -964,7 +964,7 @@
           <a:p>
             <a:fld id="{96DFF08F-DC6B-4601-B491-B0F83F6DD2DA}" type="datetimeFigureOut">
               <a:rPr lang="en-US" smtClean="0"/>
-              <a:t>5/6/2023</a:t>
+              <a:t>5/7/2023</a:t>
             </a:fld>
             <a:endParaRPr lang="en-US" dirty="0"/>
           </a:p>
@@ -1185,7 +1185,7 @@
           <a:p>
             <a:fld id="{96DFF08F-DC6B-4601-B491-B0F83F6DD2DA}" type="datetimeFigureOut">
               <a:rPr lang="en-US" smtClean="0"/>
-              <a:t>5/6/2023</a:t>
+              <a:t>5/7/2023</a:t>
             </a:fld>
             <a:endParaRPr lang="en-US" dirty="0"/>
           </a:p>
@@ -1365,7 +1365,7 @@
           <a:p>
             <a:fld id="{96DFF08F-DC6B-4601-B491-B0F83F6DD2DA}" type="datetimeFigureOut">
               <a:rPr lang="en-US" smtClean="0"/>
-              <a:t>5/6/2023</a:t>
+              <a:t>5/7/2023</a:t>
             </a:fld>
             <a:endParaRPr lang="en-US" dirty="0"/>
           </a:p>
@@ -1535,7 +1535,7 @@
           <a:p>
             <a:fld id="{96DFF08F-DC6B-4601-B491-B0F83F6DD2DA}" type="datetimeFigureOut">
               <a:rPr lang="en-US" smtClean="0"/>
-              <a:t>5/6/2023</a:t>
+              <a:t>5/7/2023</a:t>
             </a:fld>
             <a:endParaRPr lang="en-US" dirty="0"/>
           </a:p>
@@ -1786,7 +1786,7 @@
           <a:p>
             <a:fld id="{96DFF08F-DC6B-4601-B491-B0F83F6DD2DA}" type="datetimeFigureOut">
               <a:rPr lang="en-US" smtClean="0"/>
-              <a:t>5/6/2023</a:t>
+              <a:t>5/7/2023</a:t>
             </a:fld>
             <a:endParaRPr lang="en-US" dirty="0"/>
           </a:p>
@@ -2109,7 +2109,7 @@
           <a:p>
             <a:fld id="{96DFF08F-DC6B-4601-B491-B0F83F6DD2DA}" type="datetimeFigureOut">
               <a:rPr lang="en-US" smtClean="0"/>
-              <a:t>5/6/2023</a:t>
+              <a:t>5/7/2023</a:t>
             </a:fld>
             <a:endParaRPr lang="en-US" dirty="0"/>
           </a:p>
@@ -2533,7 +2533,7 @@
           <a:p>
             <a:fld id="{96DFF08F-DC6B-4601-B491-B0F83F6DD2DA}" type="datetimeFigureOut">
               <a:rPr lang="en-US" smtClean="0"/>
-              <a:t>5/6/2023</a:t>
+              <a:t>5/7/2023</a:t>
             </a:fld>
             <a:endParaRPr lang="en-US" dirty="0"/>
           </a:p>
@@ -2651,7 +2651,7 @@
           <a:p>
             <a:fld id="{96DFF08F-DC6B-4601-B491-B0F83F6DD2DA}" type="datetimeFigureOut">
               <a:rPr lang="en-US" smtClean="0"/>
-              <a:t>5/6/2023</a:t>
+              <a:t>5/7/2023</a:t>
             </a:fld>
             <a:endParaRPr lang="en-US" dirty="0"/>
           </a:p>
@@ -2746,7 +2746,7 @@
           <a:p>
             <a:fld id="{96DFF08F-DC6B-4601-B491-B0F83F6DD2DA}" type="datetimeFigureOut">
               <a:rPr lang="en-US" smtClean="0"/>
-              <a:t>5/6/2023</a:t>
+              <a:t>5/7/2023</a:t>
             </a:fld>
             <a:endParaRPr lang="en-US" dirty="0"/>
           </a:p>
@@ -3036,7 +3036,7 @@
           <a:p>
             <a:fld id="{96DFF08F-DC6B-4601-B491-B0F83F6DD2DA}" type="datetimeFigureOut">
               <a:rPr lang="en-US" smtClean="0"/>
-              <a:t>5/6/2023</a:t>
+              <a:t>5/7/2023</a:t>
             </a:fld>
             <a:endParaRPr lang="en-US" dirty="0"/>
           </a:p>
@@ -3308,7 +3308,7 @@
           <a:p>
             <a:fld id="{96DFF08F-DC6B-4601-B491-B0F83F6DD2DA}" type="datetimeFigureOut">
               <a:rPr lang="en-US" smtClean="0"/>
-              <a:t>5/6/2023</a:t>
+              <a:t>5/7/2023</a:t>
             </a:fld>
             <a:endParaRPr lang="en-US" dirty="0"/>
           </a:p>
@@ -3563,7 +3563,7 @@
             <a:fld id="{96DFF08F-DC6B-4601-B491-B0F83F6DD2DA}" type="datetimeFigureOut">
               <a:rPr lang="en-US" smtClean="0"/>
               <a:pPr/>
-              <a:t>5/6/2023</a:t>
+              <a:t>5/7/2023</a:t>
             </a:fld>
             <a:endParaRPr lang="en-US" dirty="0"/>
           </a:p>
@@ -4453,8 +4453,8 @@
           </a:prstGeom>
         </p:spPr>
       </p:pic>
-      <mc:AlternateContent xmlns:mc="http://schemas.openxmlformats.org/markup-compatibility/2006">
-        <mc:Choice xmlns:p14="http://schemas.microsoft.com/office/powerpoint/2010/main" Requires="p14">
+      <mc:AlternateContent xmlns:mc="http://schemas.openxmlformats.org/markup-compatibility/2006" xmlns:p14="http://schemas.microsoft.com/office/powerpoint/2010/main">
+        <mc:Choice Requires="p14">
           <p:contentPart p14:bwMode="auto" r:id="rId3">
             <p14:nvContentPartPr>
               <p14:cNvPr id="2" name="잉크 1">
@@ -4473,7 +4473,7 @@
             </p14:xfrm>
           </p:contentPart>
         </mc:Choice>
-        <mc:Fallback>
+        <mc:Fallback xmlns="">
           <p:pic>
             <p:nvPicPr>
               <p:cNvPr id="2" name="잉크 1">
@@ -4899,8 +4899,8 @@
           </a:prstGeom>
         </p:spPr>
       </p:pic>
-      <mc:AlternateContent xmlns:mc="http://schemas.openxmlformats.org/markup-compatibility/2006">
-        <mc:Choice xmlns:p14="http://schemas.microsoft.com/office/powerpoint/2010/main" Requires="p14">
+      <mc:AlternateContent xmlns:mc="http://schemas.openxmlformats.org/markup-compatibility/2006" xmlns:p14="http://schemas.microsoft.com/office/powerpoint/2010/main">
+        <mc:Choice Requires="p14">
           <p:contentPart p14:bwMode="auto" r:id="rId3">
             <p14:nvContentPartPr>
               <p14:cNvPr id="2" name="잉크 1">
@@ -4919,7 +4919,7 @@
             </p14:xfrm>
           </p:contentPart>
         </mc:Choice>
-        <mc:Fallback>
+        <mc:Fallback xmlns="">
           <p:pic>
             <p:nvPicPr>
               <p:cNvPr id="2" name="잉크 1">
@@ -5010,8 +5010,8 @@
           </a:prstGeom>
         </p:spPr>
       </p:pic>
-      <mc:AlternateContent xmlns:mc="http://schemas.openxmlformats.org/markup-compatibility/2006">
-        <mc:Choice xmlns:p14="http://schemas.microsoft.com/office/powerpoint/2010/main" Requires="p14">
+      <mc:AlternateContent xmlns:mc="http://schemas.openxmlformats.org/markup-compatibility/2006" xmlns:p14="http://schemas.microsoft.com/office/powerpoint/2010/main">
+        <mc:Choice Requires="p14">
           <p:contentPart p14:bwMode="auto" r:id="rId3">
             <p14:nvContentPartPr>
               <p14:cNvPr id="2" name="잉크 1">
@@ -5030,7 +5030,7 @@
             </p14:xfrm>
           </p:contentPart>
         </mc:Choice>
-        <mc:Fallback>
+        <mc:Fallback xmlns="">
           <p:pic>
             <p:nvPicPr>
               <p:cNvPr id="2" name="잉크 1">
@@ -5273,8 +5273,8 @@
           </a:prstGeom>
         </p:spPr>
       </p:pic>
-      <mc:AlternateContent xmlns:mc="http://schemas.openxmlformats.org/markup-compatibility/2006">
-        <mc:Choice xmlns:p14="http://schemas.microsoft.com/office/powerpoint/2010/main" Requires="p14">
+      <mc:AlternateContent xmlns:mc="http://schemas.openxmlformats.org/markup-compatibility/2006" xmlns:p14="http://schemas.microsoft.com/office/powerpoint/2010/main">
+        <mc:Choice Requires="p14">
           <p:contentPart p14:bwMode="auto" r:id="rId4">
             <p14:nvContentPartPr>
               <p14:cNvPr id="7" name="잉크 6">
@@ -5293,7 +5293,7 @@
             </p14:xfrm>
           </p:contentPart>
         </mc:Choice>
-        <mc:Fallback>
+        <mc:Fallback xmlns="">
           <p:pic>
             <p:nvPicPr>
               <p:cNvPr id="7" name="잉크 6">
@@ -5414,8 +5414,8 @@
           </a:prstGeom>
         </p:spPr>
       </p:pic>
-      <mc:AlternateContent xmlns:mc="http://schemas.openxmlformats.org/markup-compatibility/2006">
-        <mc:Choice xmlns:p14="http://schemas.microsoft.com/office/powerpoint/2010/main" Requires="p14">
+      <mc:AlternateContent xmlns:mc="http://schemas.openxmlformats.org/markup-compatibility/2006" xmlns:p14="http://schemas.microsoft.com/office/powerpoint/2010/main">
+        <mc:Choice Requires="p14">
           <p:contentPart p14:bwMode="auto" r:id="rId4">
             <p14:nvContentPartPr>
               <p14:cNvPr id="6" name="잉크 5">
@@ -5434,7 +5434,7 @@
             </p14:xfrm>
           </p:contentPart>
         </mc:Choice>
-        <mc:Fallback>
+        <mc:Fallback xmlns="">
           <p:pic>
             <p:nvPicPr>
               <p:cNvPr id="6" name="잉크 5">
@@ -5465,8 +5465,8 @@
           </p:pic>
         </mc:Fallback>
       </mc:AlternateContent>
-      <mc:AlternateContent xmlns:mc="http://schemas.openxmlformats.org/markup-compatibility/2006">
-        <mc:Choice xmlns:p14="http://schemas.microsoft.com/office/powerpoint/2010/main" Requires="p14">
+      <mc:AlternateContent xmlns:mc="http://schemas.openxmlformats.org/markup-compatibility/2006" xmlns:p14="http://schemas.microsoft.com/office/powerpoint/2010/main">
+        <mc:Choice Requires="p14">
           <p:contentPart p14:bwMode="auto" r:id="rId6">
             <p14:nvContentPartPr>
               <p14:cNvPr id="7" name="잉크 6">
@@ -5485,7 +5485,7 @@
             </p14:xfrm>
           </p:contentPart>
         </mc:Choice>
-        <mc:Fallback>
+        <mc:Fallback xmlns="">
           <p:pic>
             <p:nvPicPr>
               <p:cNvPr id="7" name="잉크 6">
@@ -5516,8 +5516,8 @@
           </p:pic>
         </mc:Fallback>
       </mc:AlternateContent>
-      <mc:AlternateContent xmlns:mc="http://schemas.openxmlformats.org/markup-compatibility/2006">
-        <mc:Choice xmlns:p14="http://schemas.microsoft.com/office/powerpoint/2010/main" Requires="p14">
+      <mc:AlternateContent xmlns:mc="http://schemas.openxmlformats.org/markup-compatibility/2006" xmlns:p14="http://schemas.microsoft.com/office/powerpoint/2010/main">
+        <mc:Choice Requires="p14">
           <p:contentPart p14:bwMode="auto" r:id="rId8">
             <p14:nvContentPartPr>
               <p14:cNvPr id="8" name="잉크 7">
@@ -5536,7 +5536,7 @@
             </p14:xfrm>
           </p:contentPart>
         </mc:Choice>
-        <mc:Fallback>
+        <mc:Fallback xmlns="">
           <p:pic>
             <p:nvPicPr>
               <p:cNvPr id="8" name="잉크 7">
@@ -5567,6 +5567,51 @@
           </p:pic>
         </mc:Fallback>
       </mc:AlternateContent>
+      <p:sp>
+        <p:nvSpPr>
+          <p:cNvPr id="2" name="TextBox 1">
+            <a:extLst>
+              <a:ext uri="{FF2B5EF4-FFF2-40B4-BE49-F238E27FC236}">
+                <a16:creationId xmlns:a16="http://schemas.microsoft.com/office/drawing/2014/main" id="{26E1FDDF-D62A-1B80-C255-25E59BA275D4}"/>
+              </a:ext>
+            </a:extLst>
+          </p:cNvPr>
+          <p:cNvSpPr txBox="1"/>
+          <p:nvPr/>
+        </p:nvSpPr>
+        <p:spPr>
+          <a:xfrm>
+            <a:off x="8898216" y="3551615"/>
+            <a:ext cx="2065283" cy="369332"/>
+          </a:xfrm>
+          <a:prstGeom prst="rect">
+            <a:avLst/>
+          </a:prstGeom>
+          <a:noFill/>
+        </p:spPr>
+        <p:txBody>
+          <a:bodyPr wrap="square" rtlCol="0">
+            <a:spAutoFit/>
+          </a:bodyPr>
+          <a:lstStyle/>
+          <a:p>
+            <a:pPr algn="ctr"/>
+            <a:r>
+              <a:rPr lang="en-US" altLang="ko-KR" b="1" dirty="0"/>
+              <a:t>&lt; print </a:t>
+            </a:r>
+            <a:r>
+              <a:rPr lang="ko-KR" altLang="en-US" b="1" dirty="0"/>
+              <a:t>결과 확인 </a:t>
+            </a:r>
+            <a:r>
+              <a:rPr lang="en-US" altLang="ko-KR" b="1" dirty="0"/>
+              <a:t>&gt;</a:t>
+            </a:r>
+            <a:endParaRPr lang="ko-KR" altLang="en-US" b="1" dirty="0"/>
+          </a:p>
+        </p:txBody>
+      </p:sp>
     </p:spTree>
     <p:extLst>
       <p:ext uri="{BB962C8B-B14F-4D97-AF65-F5344CB8AC3E}">
@@ -5633,16 +5678,16 @@
                 </a:solidFill>
                 <a:latin typeface="+mn-ea"/>
               </a:rPr>
-              <a:t>&lt; </a:t>
-            </a:r>
-            <a:r>
-              <a:rPr lang="ko-KR" altLang="en-US" sz="4800" b="1" dirty="0">
+              <a:t>&lt; 2</a:t>
+            </a:r>
+            <a:r>
+              <a:rPr lang="ko-KR" altLang="en-US" sz="4800" b="1">
                 <a:solidFill>
                   <a:schemeClr val="accent1"/>
                 </a:solidFill>
                 <a:latin typeface="+mn-ea"/>
               </a:rPr>
-              <a:t>정리하기 </a:t>
+              <a:t>강 정리하기 </a:t>
             </a:r>
             <a:r>
               <a:rPr lang="en-US" altLang="ko-KR" sz="4800" b="1" dirty="0">
@@ -6111,8 +6156,8 @@
           </a:p>
         </p:txBody>
       </p:sp>
-      <mc:AlternateContent xmlns:mc="http://schemas.openxmlformats.org/markup-compatibility/2006">
-        <mc:Choice xmlns:p14="http://schemas.microsoft.com/office/powerpoint/2010/main" Requires="p14">
+      <mc:AlternateContent xmlns:mc="http://schemas.openxmlformats.org/markup-compatibility/2006" xmlns:p14="http://schemas.microsoft.com/office/powerpoint/2010/main">
+        <mc:Choice Requires="p14">
           <p:contentPart p14:bwMode="auto" r:id="rId6">
             <p14:nvContentPartPr>
               <p14:cNvPr id="15" name="잉크 14">
@@ -6131,7 +6176,7 @@
             </p14:xfrm>
           </p:contentPart>
         </mc:Choice>
-        <mc:Fallback>
+        <mc:Fallback xmlns="">
           <p:pic>
             <p:nvPicPr>
               <p:cNvPr id="15" name="잉크 14">
@@ -6162,8 +6207,8 @@
           </p:pic>
         </mc:Fallback>
       </mc:AlternateContent>
-      <mc:AlternateContent xmlns:mc="http://schemas.openxmlformats.org/markup-compatibility/2006">
-        <mc:Choice xmlns:p14="http://schemas.microsoft.com/office/powerpoint/2010/main" Requires="p14">
+      <mc:AlternateContent xmlns:mc="http://schemas.openxmlformats.org/markup-compatibility/2006" xmlns:p14="http://schemas.microsoft.com/office/powerpoint/2010/main">
+        <mc:Choice Requires="p14">
           <p:contentPart p14:bwMode="auto" r:id="rId8">
             <p14:nvContentPartPr>
               <p14:cNvPr id="16" name="잉크 15">
@@ -6182,7 +6227,7 @@
             </p14:xfrm>
           </p:contentPart>
         </mc:Choice>
-        <mc:Fallback>
+        <mc:Fallback xmlns="">
           <p:pic>
             <p:nvPicPr>
               <p:cNvPr id="16" name="잉크 15">
@@ -6213,8 +6258,8 @@
           </p:pic>
         </mc:Fallback>
       </mc:AlternateContent>
-      <mc:AlternateContent xmlns:mc="http://schemas.openxmlformats.org/markup-compatibility/2006">
-        <mc:Choice xmlns:p14="http://schemas.microsoft.com/office/powerpoint/2010/main" Requires="p14">
+      <mc:AlternateContent xmlns:mc="http://schemas.openxmlformats.org/markup-compatibility/2006" xmlns:p14="http://schemas.microsoft.com/office/powerpoint/2010/main">
+        <mc:Choice Requires="p14">
           <p:contentPart p14:bwMode="auto" r:id="rId9">
             <p14:nvContentPartPr>
               <p14:cNvPr id="33" name="잉크 32">
@@ -6233,7 +6278,7 @@
             </p14:xfrm>
           </p:contentPart>
         </mc:Choice>
-        <mc:Fallback>
+        <mc:Fallback xmlns="">
           <p:pic>
             <p:nvPicPr>
               <p:cNvPr id="33" name="잉크 32">
@@ -6264,8 +6309,8 @@
           </p:pic>
         </mc:Fallback>
       </mc:AlternateContent>
-      <mc:AlternateContent xmlns:mc="http://schemas.openxmlformats.org/markup-compatibility/2006">
-        <mc:Choice xmlns:p14="http://schemas.microsoft.com/office/powerpoint/2010/main" Requires="p14">
+      <mc:AlternateContent xmlns:mc="http://schemas.openxmlformats.org/markup-compatibility/2006" xmlns:p14="http://schemas.microsoft.com/office/powerpoint/2010/main">
+        <mc:Choice Requires="p14">
           <p:contentPart p14:bwMode="auto" r:id="rId11">
             <p14:nvContentPartPr>
               <p14:cNvPr id="34" name="잉크 33">
@@ -6284,7 +6329,7 @@
             </p14:xfrm>
           </p:contentPart>
         </mc:Choice>
-        <mc:Fallback>
+        <mc:Fallback xmlns="">
           <p:pic>
             <p:nvPicPr>
               <p:cNvPr id="34" name="잉크 33">
@@ -6315,8 +6360,8 @@
           </p:pic>
         </mc:Fallback>
       </mc:AlternateContent>
-      <mc:AlternateContent xmlns:mc="http://schemas.openxmlformats.org/markup-compatibility/2006">
-        <mc:Choice xmlns:p14="http://schemas.microsoft.com/office/powerpoint/2010/main" Requires="p14">
+      <mc:AlternateContent xmlns:mc="http://schemas.openxmlformats.org/markup-compatibility/2006" xmlns:p14="http://schemas.microsoft.com/office/powerpoint/2010/main">
+        <mc:Choice Requires="p14">
           <p:contentPart p14:bwMode="auto" r:id="rId13">
             <p14:nvContentPartPr>
               <p14:cNvPr id="35" name="잉크 34">
@@ -6335,7 +6380,7 @@
             </p14:xfrm>
           </p:contentPart>
         </mc:Choice>
-        <mc:Fallback>
+        <mc:Fallback xmlns="">
           <p:pic>
             <p:nvPicPr>
               <p:cNvPr id="35" name="잉크 34">
@@ -6366,8 +6411,8 @@
           </p:pic>
         </mc:Fallback>
       </mc:AlternateContent>
-      <mc:AlternateContent xmlns:mc="http://schemas.openxmlformats.org/markup-compatibility/2006">
-        <mc:Choice xmlns:p14="http://schemas.microsoft.com/office/powerpoint/2010/main" Requires="p14">
+      <mc:AlternateContent xmlns:mc="http://schemas.openxmlformats.org/markup-compatibility/2006" xmlns:p14="http://schemas.microsoft.com/office/powerpoint/2010/main">
+        <mc:Choice Requires="p14">
           <p:contentPart p14:bwMode="auto" r:id="rId15">
             <p14:nvContentPartPr>
               <p14:cNvPr id="36" name="잉크 35">
@@ -6386,7 +6431,7 @@
             </p14:xfrm>
           </p:contentPart>
         </mc:Choice>
-        <mc:Fallback>
+        <mc:Fallback xmlns="">
           <p:pic>
             <p:nvPicPr>
               <p:cNvPr id="36" name="잉크 35">
@@ -6836,8 +6881,8 @@
           </a:prstGeom>
         </p:spPr>
       </p:pic>
-      <mc:AlternateContent xmlns:mc="http://schemas.openxmlformats.org/markup-compatibility/2006">
-        <mc:Choice xmlns:p14="http://schemas.microsoft.com/office/powerpoint/2010/main" Requires="p14">
+      <mc:AlternateContent xmlns:mc="http://schemas.openxmlformats.org/markup-compatibility/2006" xmlns:p14="http://schemas.microsoft.com/office/powerpoint/2010/main">
+        <mc:Choice Requires="p14">
           <p:contentPart p14:bwMode="auto" r:id="rId13">
             <p14:nvContentPartPr>
               <p14:cNvPr id="3" name="잉크 2">
@@ -6856,7 +6901,7 @@
             </p14:xfrm>
           </p:contentPart>
         </mc:Choice>
-        <mc:Fallback>
+        <mc:Fallback xmlns="">
           <p:pic>
             <p:nvPicPr>
               <p:cNvPr id="3" name="잉크 2">
@@ -6947,8 +6992,8 @@
           </a:prstGeom>
         </p:spPr>
       </p:pic>
-      <mc:AlternateContent xmlns:mc="http://schemas.openxmlformats.org/markup-compatibility/2006">
-        <mc:Choice xmlns:p14="http://schemas.microsoft.com/office/powerpoint/2010/main" Requires="p14">
+      <mc:AlternateContent xmlns:mc="http://schemas.openxmlformats.org/markup-compatibility/2006" xmlns:p14="http://schemas.microsoft.com/office/powerpoint/2010/main">
+        <mc:Choice Requires="p14">
           <p:contentPart p14:bwMode="auto" r:id="rId3">
             <p14:nvContentPartPr>
               <p14:cNvPr id="5" name="잉크 4">
@@ -6967,7 +7012,7 @@
             </p14:xfrm>
           </p:contentPart>
         </mc:Choice>
-        <mc:Fallback>
+        <mc:Fallback xmlns="">
           <p:pic>
             <p:nvPicPr>
               <p:cNvPr id="5" name="잉크 4">
@@ -7088,8 +7133,8 @@
           </a:prstGeom>
         </p:spPr>
       </p:pic>
-      <mc:AlternateContent xmlns:mc="http://schemas.openxmlformats.org/markup-compatibility/2006">
-        <mc:Choice xmlns:p14="http://schemas.microsoft.com/office/powerpoint/2010/main" Requires="p14">
+      <mc:AlternateContent xmlns:mc="http://schemas.openxmlformats.org/markup-compatibility/2006" xmlns:p14="http://schemas.microsoft.com/office/powerpoint/2010/main">
+        <mc:Choice Requires="p14">
           <p:contentPart p14:bwMode="auto" r:id="rId4">
             <p14:nvContentPartPr>
               <p14:cNvPr id="2" name="잉크 1">
@@ -7108,7 +7153,7 @@
             </p14:xfrm>
           </p:contentPart>
         </mc:Choice>
-        <mc:Fallback>
+        <mc:Fallback xmlns="">
           <p:pic>
             <p:nvPicPr>
               <p:cNvPr id="2" name="잉크 1">
@@ -7139,8 +7184,8 @@
           </p:pic>
         </mc:Fallback>
       </mc:AlternateContent>
-      <mc:AlternateContent xmlns:mc="http://schemas.openxmlformats.org/markup-compatibility/2006">
-        <mc:Choice xmlns:p14="http://schemas.microsoft.com/office/powerpoint/2010/main" Requires="p14">
+      <mc:AlternateContent xmlns:mc="http://schemas.openxmlformats.org/markup-compatibility/2006" xmlns:p14="http://schemas.microsoft.com/office/powerpoint/2010/main">
+        <mc:Choice Requires="p14">
           <p:contentPart p14:bwMode="auto" r:id="rId6">
             <p14:nvContentPartPr>
               <p14:cNvPr id="4" name="잉크 3">
@@ -7159,7 +7204,7 @@
             </p14:xfrm>
           </p:contentPart>
         </mc:Choice>
-        <mc:Fallback>
+        <mc:Fallback xmlns="">
           <p:pic>
             <p:nvPicPr>
               <p:cNvPr id="4" name="잉크 3">
@@ -7250,8 +7295,8 @@
           </a:prstGeom>
         </p:spPr>
       </p:pic>
-      <mc:AlternateContent xmlns:mc="http://schemas.openxmlformats.org/markup-compatibility/2006">
-        <mc:Choice xmlns:p14="http://schemas.microsoft.com/office/powerpoint/2010/main" Requires="p14">
+      <mc:AlternateContent xmlns:mc="http://schemas.openxmlformats.org/markup-compatibility/2006" xmlns:p14="http://schemas.microsoft.com/office/powerpoint/2010/main">
+        <mc:Choice Requires="p14">
           <p:contentPart p14:bwMode="auto" r:id="rId3">
             <p14:nvContentPartPr>
               <p14:cNvPr id="2" name="잉크 1">
@@ -7270,7 +7315,7 @@
             </p14:xfrm>
           </p:contentPart>
         </mc:Choice>
-        <mc:Fallback>
+        <mc:Fallback xmlns="">
           <p:pic>
             <p:nvPicPr>
               <p:cNvPr id="2" name="잉크 1">
